--- a/Presentation.pptx
+++ b/Presentation.pptx
@@ -19,6 +19,7 @@
     <p:sldId id="271" r:id="rId13"/>
     <p:sldId id="272" r:id="rId14"/>
     <p:sldId id="269" r:id="rId15"/>
+    <p:sldId id="273" r:id="rId16"/>
   </p:sldIdLst>
   <p:sldSz cx="12192000" cy="6858000"/>
   <p:notesSz cx="6858000" cy="9144000"/>
@@ -128,7 +129,7 @@
 <file path=ppt/revisionInfo.xml><?xml version="1.0" encoding="utf-8"?>
 <p1510:revInfo xmlns:a="http://schemas.openxmlformats.org/drawingml/2006/main" xmlns:r="http://schemas.openxmlformats.org/officeDocument/2006/relationships" xmlns:p1510="http://schemas.microsoft.com/office/powerpoint/2015/10/main">
   <p1510:revLst>
-    <p1510:client id="{4C15A45B-9F25-4595-8453-AD0D9F332138}" v="64" dt="2023-05-24T09:08:54.376"/>
+    <p1510:client id="{4C15A45B-9F25-4595-8453-AD0D9F332138}" v="65" dt="2023-05-24T10:48:17.847"/>
   </p1510:revLst>
 </p1510:revInfo>
 </file>
@@ -162,7 +163,7 @@
   <pc:docChgLst>
     <pc:chgData name="Sampo Virtanen" userId="345e3165-0594-4945-b9ee-894cefc34c70" providerId="ADAL" clId="{4C15A45B-9F25-4595-8453-AD0D9F332138}"/>
     <pc:docChg chg="undo redo custSel addSld delSld modSld sldOrd">
-      <pc:chgData name="Sampo Virtanen" userId="345e3165-0594-4945-b9ee-894cefc34c70" providerId="ADAL" clId="{4C15A45B-9F25-4595-8453-AD0D9F332138}" dt="2023-05-24T09:28:22.673" v="2379" actId="47"/>
+      <pc:chgData name="Sampo Virtanen" userId="345e3165-0594-4945-b9ee-894cefc34c70" providerId="ADAL" clId="{4C15A45B-9F25-4595-8453-AD0D9F332138}" dt="2023-05-24T10:50:00.118" v="2404" actId="1076"/>
       <pc:docMkLst>
         <pc:docMk/>
       </pc:docMkLst>
@@ -1338,6 +1339,109 @@
             <pc:docMk/>
             <pc:sldMk cId="1924287665" sldId="272"/>
             <ac:picMk id="14" creationId="{03716146-A783-F704-37C7-288AB6672CDF}"/>
+          </ac:picMkLst>
+        </pc:picChg>
+      </pc:sldChg>
+      <pc:sldChg chg="addSp delSp modSp new mod setBg">
+        <pc:chgData name="Sampo Virtanen" userId="345e3165-0594-4945-b9ee-894cefc34c70" providerId="ADAL" clId="{4C15A45B-9F25-4595-8453-AD0D9F332138}" dt="2023-05-24T10:50:00.118" v="2404" actId="1076"/>
+        <pc:sldMkLst>
+          <pc:docMk/>
+          <pc:sldMk cId="358186293" sldId="273"/>
+        </pc:sldMkLst>
+        <pc:spChg chg="mod">
+          <ac:chgData name="Sampo Virtanen" userId="345e3165-0594-4945-b9ee-894cefc34c70" providerId="ADAL" clId="{4C15A45B-9F25-4595-8453-AD0D9F332138}" dt="2023-05-24T10:49:40.229" v="2400" actId="26606"/>
+          <ac:spMkLst>
+            <pc:docMk/>
+            <pc:sldMk cId="358186293" sldId="273"/>
+            <ac:spMk id="2" creationId="{82AC76BF-7602-6C5D-3E03-922912277EA0}"/>
+          </ac:spMkLst>
+        </pc:spChg>
+        <pc:spChg chg="del">
+          <ac:chgData name="Sampo Virtanen" userId="345e3165-0594-4945-b9ee-894cefc34c70" providerId="ADAL" clId="{4C15A45B-9F25-4595-8453-AD0D9F332138}" dt="2023-05-24T10:48:17.847" v="2387"/>
+          <ac:spMkLst>
+            <pc:docMk/>
+            <pc:sldMk cId="358186293" sldId="273"/>
+            <ac:spMk id="3" creationId="{4E19584A-44C3-3990-C8AF-DD8557FD04BA}"/>
+          </ac:spMkLst>
+        </pc:spChg>
+        <pc:spChg chg="add del">
+          <ac:chgData name="Sampo Virtanen" userId="345e3165-0594-4945-b9ee-894cefc34c70" providerId="ADAL" clId="{4C15A45B-9F25-4595-8453-AD0D9F332138}" dt="2023-05-24T10:49:40.229" v="2400" actId="26606"/>
+          <ac:spMkLst>
+            <pc:docMk/>
+            <pc:sldMk cId="358186293" sldId="273"/>
+            <ac:spMk id="7" creationId="{D4771268-CB57-404A-9271-370EB28F6090}"/>
+          </ac:spMkLst>
+        </pc:spChg>
+        <pc:spChg chg="add">
+          <ac:chgData name="Sampo Virtanen" userId="345e3165-0594-4945-b9ee-894cefc34c70" providerId="ADAL" clId="{4C15A45B-9F25-4595-8453-AD0D9F332138}" dt="2023-05-24T10:49:40.229" v="2400" actId="26606"/>
+          <ac:spMkLst>
+            <pc:docMk/>
+            <pc:sldMk cId="358186293" sldId="273"/>
+            <ac:spMk id="9" creationId="{9C867835-A917-4A2B-8424-3AFAF7436395}"/>
+          </ac:spMkLst>
+        </pc:spChg>
+        <pc:spChg chg="add del">
+          <ac:chgData name="Sampo Virtanen" userId="345e3165-0594-4945-b9ee-894cefc34c70" providerId="ADAL" clId="{4C15A45B-9F25-4595-8453-AD0D9F332138}" dt="2023-05-24T10:48:50.829" v="2395" actId="26606"/>
+          <ac:spMkLst>
+            <pc:docMk/>
+            <pc:sldMk cId="358186293" sldId="273"/>
+            <ac:spMk id="10" creationId="{BEBFA723-5A7B-472D-ABD7-1526B8D3A38B}"/>
+          </ac:spMkLst>
+        </pc:spChg>
+        <pc:spChg chg="add">
+          <ac:chgData name="Sampo Virtanen" userId="345e3165-0594-4945-b9ee-894cefc34c70" providerId="ADAL" clId="{4C15A45B-9F25-4595-8453-AD0D9F332138}" dt="2023-05-24T10:49:40.229" v="2400" actId="26606"/>
+          <ac:spMkLst>
+            <pc:docMk/>
+            <pc:sldMk cId="358186293" sldId="273"/>
+            <ac:spMk id="11" creationId="{EED8D03E-F375-4E67-B932-FF9B007BB420}"/>
+          </ac:spMkLst>
+        </pc:spChg>
+        <pc:spChg chg="add del">
+          <ac:chgData name="Sampo Virtanen" userId="345e3165-0594-4945-b9ee-894cefc34c70" providerId="ADAL" clId="{4C15A45B-9F25-4595-8453-AD0D9F332138}" dt="2023-05-24T10:48:50.829" v="2395" actId="26606"/>
+          <ac:spMkLst>
+            <pc:docMk/>
+            <pc:sldMk cId="358186293" sldId="273"/>
+            <ac:spMk id="12" creationId="{A6B27065-399A-4CF7-BF70-CF79B9848FC1}"/>
+          </ac:spMkLst>
+        </pc:spChg>
+        <pc:spChg chg="mod">
+          <ac:chgData name="Sampo Virtanen" userId="345e3165-0594-4945-b9ee-894cefc34c70" providerId="ADAL" clId="{4C15A45B-9F25-4595-8453-AD0D9F332138}" dt="2023-05-24T10:48:50.474" v="2394"/>
+          <ac:spMkLst>
+            <pc:docMk/>
+            <pc:sldMk cId="358186293" sldId="273"/>
+            <ac:spMk id="15" creationId="{4C025298-F835-4B83-A3A3-6555157E010B}"/>
+          </ac:spMkLst>
+        </pc:spChg>
+        <pc:spChg chg="mod">
+          <ac:chgData name="Sampo Virtanen" userId="345e3165-0594-4945-b9ee-894cefc34c70" providerId="ADAL" clId="{4C15A45B-9F25-4595-8453-AD0D9F332138}" dt="2023-05-24T10:48:50.474" v="2394"/>
+          <ac:spMkLst>
+            <pc:docMk/>
+            <pc:sldMk cId="358186293" sldId="273"/>
+            <ac:spMk id="16" creationId="{17106C81-A3F0-4DA0-9368-6BBCDB964889}"/>
+          </ac:spMkLst>
+        </pc:spChg>
+        <pc:spChg chg="mod">
+          <ac:chgData name="Sampo Virtanen" userId="345e3165-0594-4945-b9ee-894cefc34c70" providerId="ADAL" clId="{4C15A45B-9F25-4595-8453-AD0D9F332138}" dt="2023-05-24T10:48:50.474" v="2394"/>
+          <ac:spMkLst>
+            <pc:docMk/>
+            <pc:sldMk cId="358186293" sldId="273"/>
+            <ac:spMk id="17" creationId="{4B3B35E8-1AF4-4D76-93A5-B0B088408330}"/>
+          </ac:spMkLst>
+        </pc:spChg>
+        <pc:grpChg chg="add del mod">
+          <ac:chgData name="Sampo Virtanen" userId="345e3165-0594-4945-b9ee-894cefc34c70" providerId="ADAL" clId="{4C15A45B-9F25-4595-8453-AD0D9F332138}" dt="2023-05-24T10:48:50.829" v="2395" actId="26606"/>
+          <ac:grpSpMkLst>
+            <pc:docMk/>
+            <pc:sldMk cId="358186293" sldId="273"/>
+            <ac:grpSpMk id="14" creationId="{CF22986C-DDF7-4109-9D6A-006800D6B041}"/>
+          </ac:grpSpMkLst>
+        </pc:grpChg>
+        <pc:picChg chg="add mod">
+          <ac:chgData name="Sampo Virtanen" userId="345e3165-0594-4945-b9ee-894cefc34c70" providerId="ADAL" clId="{4C15A45B-9F25-4595-8453-AD0D9F332138}" dt="2023-05-24T10:50:00.118" v="2404" actId="1076"/>
+          <ac:picMkLst>
+            <pc:docMk/>
+            <pc:sldMk cId="358186293" sldId="273"/>
+            <ac:picMk id="5" creationId="{8CF34E10-30DB-E61F-5555-8DF911AB5F08}"/>
           </ac:picMkLst>
         </pc:picChg>
       </pc:sldChg>
@@ -17426,6 +17530,572 @@
 </p:sld>
 </file>
 
+<file path=ppt/slides/slide15.xml><?xml version="1.0" encoding="utf-8"?>
+<p:sld xmlns:a="http://schemas.openxmlformats.org/drawingml/2006/main" xmlns:r="http://schemas.openxmlformats.org/officeDocument/2006/relationships" xmlns:p="http://schemas.openxmlformats.org/presentationml/2006/main">
+  <p:cSld>
+    <p:bg>
+      <p:bgPr>
+        <a:solidFill>
+          <a:schemeClr val="bg1"/>
+        </a:solidFill>
+        <a:effectLst/>
+      </p:bgPr>
+    </p:bg>
+    <p:spTree>
+      <p:nvGrpSpPr>
+        <p:cNvPr id="1" name=""/>
+        <p:cNvGrpSpPr/>
+        <p:nvPr/>
+      </p:nvGrpSpPr>
+      <p:grpSpPr>
+        <a:xfrm>
+          <a:off x="0" y="0"/>
+          <a:ext cx="0" cy="0"/>
+          <a:chOff x="0" y="0"/>
+          <a:chExt cx="0" cy="0"/>
+        </a:xfrm>
+      </p:grpSpPr>
+      <p:sp useBgFill="1">
+        <p:nvSpPr>
+          <p:cNvPr id="9" name="Rectangle 11">
+            <a:extLst>
+              <a:ext uri="{FF2B5EF4-FFF2-40B4-BE49-F238E27FC236}">
+                <a16:creationId xmlns:a16="http://schemas.microsoft.com/office/drawing/2014/main" id="{9C867835-A917-4A2B-8424-3AFAF7436395}"/>
+              </a:ext>
+              <a:ext uri="{C183D7F6-B498-43B3-948B-1728B52AA6E4}">
+                <adec:decorative xmlns:adec="http://schemas.microsoft.com/office/drawing/2017/decorative" val="1"/>
+              </a:ext>
+            </a:extLst>
+          </p:cNvPr>
+          <p:cNvSpPr>
+            <a:spLocks noGrp="1" noRot="1" noChangeAspect="1" noMove="1" noResize="1" noEditPoints="1" noAdjustHandles="1" noChangeArrowheads="1" noChangeShapeType="1" noTextEdit="1"/>
+          </p:cNvSpPr>
+          <p:nvPr>
+            <p:extLst>
+              <p:ext uri="{386F3935-93C4-4BCD-93E2-E3B085C9AB24}">
+                <p16:designElem xmlns:p16="http://schemas.microsoft.com/office/powerpoint/2015/main" val="1"/>
+              </p:ext>
+            </p:extLst>
+          </p:nvPr>
+        </p:nvSpPr>
+        <p:spPr>
+          <a:xfrm>
+            <a:off x="0" y="0"/>
+            <a:ext cx="12188952" cy="6858000"/>
+          </a:xfrm>
+          <a:prstGeom prst="rect">
+            <a:avLst/>
+          </a:prstGeom>
+          <a:ln>
+            <a:noFill/>
+          </a:ln>
+        </p:spPr>
+        <p:style>
+          <a:lnRef idx="2">
+            <a:schemeClr val="accent1">
+              <a:shade val="50000"/>
+            </a:schemeClr>
+          </a:lnRef>
+          <a:fillRef idx="1">
+            <a:schemeClr val="accent1"/>
+          </a:fillRef>
+          <a:effectRef idx="0">
+            <a:schemeClr val="accent1"/>
+          </a:effectRef>
+          <a:fontRef idx="minor">
+            <a:schemeClr val="lt1"/>
+          </a:fontRef>
+        </p:style>
+        <p:txBody>
+          <a:bodyPr rtlCol="0" anchor="ctr"/>
+          <a:lstStyle/>
+          <a:p>
+            <a:pPr algn="ctr"/>
+            <a:endParaRPr lang="en-US"/>
+          </a:p>
+        </p:txBody>
+      </p:sp>
+      <p:sp>
+        <p:nvSpPr>
+          <p:cNvPr id="11" name="Freeform: Shape 13">
+            <a:extLst>
+              <a:ext uri="{FF2B5EF4-FFF2-40B4-BE49-F238E27FC236}">
+                <a16:creationId xmlns:a16="http://schemas.microsoft.com/office/drawing/2014/main" id="{EED8D03E-F375-4E67-B932-FF9B007BB420}"/>
+              </a:ext>
+              <a:ext uri="{C183D7F6-B498-43B3-948B-1728B52AA6E4}">
+                <adec:decorative xmlns:adec="http://schemas.microsoft.com/office/drawing/2017/decorative" val="1"/>
+              </a:ext>
+            </a:extLst>
+          </p:cNvPr>
+          <p:cNvSpPr>
+            <a:spLocks noGrp="1" noRot="1" noChangeAspect="1" noMove="1" noResize="1" noEditPoints="1" noAdjustHandles="1" noChangeArrowheads="1" noChangeShapeType="1" noTextEdit="1"/>
+          </p:cNvSpPr>
+          <p:nvPr>
+            <p:extLst>
+              <p:ext uri="{386F3935-93C4-4BCD-93E2-E3B085C9AB24}">
+                <p16:designElem xmlns:p16="http://schemas.microsoft.com/office/powerpoint/2015/main" val="1"/>
+              </p:ext>
+            </p:extLst>
+          </p:nvPr>
+        </p:nvSpPr>
+        <p:spPr>
+          <a:xfrm rot="16200000" flipH="1">
+            <a:off x="1344152" y="387180"/>
+            <a:ext cx="3850317" cy="6538623"/>
+          </a:xfrm>
+          <a:custGeom>
+            <a:avLst/>
+            <a:gdLst>
+              <a:gd name="connsiteX0" fmla="*/ 0 w 3850317"/>
+              <a:gd name="connsiteY0" fmla="*/ 0 h 5978116"/>
+              <a:gd name="connsiteX1" fmla="*/ 3850317 w 3850317"/>
+              <a:gd name="connsiteY1" fmla="*/ 0 h 5978116"/>
+              <a:gd name="connsiteX2" fmla="*/ 3840373 w 3850317"/>
+              <a:gd name="connsiteY2" fmla="*/ 258313 h 5978116"/>
+              <a:gd name="connsiteX3" fmla="*/ 3755448 w 3850317"/>
+              <a:gd name="connsiteY3" fmla="*/ 1537847 h 5978116"/>
+              <a:gd name="connsiteX4" fmla="*/ 3150490 w 3850317"/>
+              <a:gd name="connsiteY4" fmla="*/ 3989537 h 5978116"/>
+              <a:gd name="connsiteX5" fmla="*/ 3089544 w 3850317"/>
+              <a:gd name="connsiteY5" fmla="*/ 3606200 h 5978116"/>
+              <a:gd name="connsiteX6" fmla="*/ 2922635 w 3850317"/>
+              <a:gd name="connsiteY6" fmla="*/ 4519351 h 5978116"/>
+              <a:gd name="connsiteX7" fmla="*/ 2904628 w 3850317"/>
+              <a:gd name="connsiteY7" fmla="*/ 4466023 h 5978116"/>
+              <a:gd name="connsiteX8" fmla="*/ 2825329 w 3850317"/>
+              <a:gd name="connsiteY8" fmla="*/ 4562983 h 5978116"/>
+              <a:gd name="connsiteX9" fmla="*/ 2695127 w 3850317"/>
+              <a:gd name="connsiteY9" fmla="*/ 4973329 h 5978116"/>
+              <a:gd name="connsiteX10" fmla="*/ 2501208 w 3850317"/>
+              <a:gd name="connsiteY10" fmla="*/ 4457366 h 5978116"/>
+              <a:gd name="connsiteX11" fmla="*/ 2209291 w 3850317"/>
+              <a:gd name="connsiteY11" fmla="*/ 5028388 h 5978116"/>
+              <a:gd name="connsiteX12" fmla="*/ 2135532 w 3850317"/>
+              <a:gd name="connsiteY12" fmla="*/ 5321344 h 5978116"/>
+              <a:gd name="connsiteX13" fmla="*/ 2009139 w 3850317"/>
+              <a:gd name="connsiteY13" fmla="*/ 4714655 h 5978116"/>
+              <a:gd name="connsiteX14" fmla="*/ 1918759 w 3850317"/>
+              <a:gd name="connsiteY14" fmla="*/ 4486454 h 5978116"/>
+              <a:gd name="connsiteX15" fmla="*/ 1800676 w 3850317"/>
+              <a:gd name="connsiteY15" fmla="*/ 4608346 h 5978116"/>
+              <a:gd name="connsiteX16" fmla="*/ 1614721 w 3850317"/>
+              <a:gd name="connsiteY16" fmla="*/ 5319612 h 5978116"/>
+              <a:gd name="connsiteX17" fmla="*/ 1530921 w 3850317"/>
+              <a:gd name="connsiteY17" fmla="*/ 5433540 h 5978116"/>
+              <a:gd name="connsiteX18" fmla="*/ 1569705 w 3850317"/>
+              <a:gd name="connsiteY18" fmla="*/ 4803650 h 5978116"/>
+              <a:gd name="connsiteX19" fmla="*/ 1517416 w 3850317"/>
+              <a:gd name="connsiteY19" fmla="*/ 4640204 h 5978116"/>
+              <a:gd name="connsiteX20" fmla="*/ 1425997 w 3850317"/>
+              <a:gd name="connsiteY20" fmla="*/ 4800187 h 5978116"/>
+              <a:gd name="connsiteX21" fmla="*/ 1348083 w 3850317"/>
+              <a:gd name="connsiteY21" fmla="*/ 5363245 h 5978116"/>
+              <a:gd name="connsiteX22" fmla="*/ 1200566 w 3850317"/>
+              <a:gd name="connsiteY22" fmla="*/ 5526691 h 5978116"/>
+              <a:gd name="connsiteX23" fmla="*/ 1027770 w 3850317"/>
+              <a:gd name="connsiteY23" fmla="*/ 5803718 h 5978116"/>
+              <a:gd name="connsiteX24" fmla="*/ 892373 w 3850317"/>
+              <a:gd name="connsiteY24" fmla="*/ 5604950 h 5978116"/>
+              <a:gd name="connsiteX25" fmla="*/ 681487 w 3850317"/>
+              <a:gd name="connsiteY25" fmla="*/ 5914528 h 5978116"/>
+              <a:gd name="connsiteX26" fmla="*/ 414155 w 3850317"/>
+              <a:gd name="connsiteY26" fmla="*/ 5817569 h 5978116"/>
+              <a:gd name="connsiteX27" fmla="*/ 360135 w 3850317"/>
+              <a:gd name="connsiteY27" fmla="*/ 5287062 h 5978116"/>
+              <a:gd name="connsiteX28" fmla="*/ 281875 w 3850317"/>
+              <a:gd name="connsiteY28" fmla="*/ 4677256 h 5978116"/>
+              <a:gd name="connsiteX29" fmla="*/ 237897 w 3850317"/>
+              <a:gd name="connsiteY29" fmla="*/ 4207696 h 5978116"/>
+              <a:gd name="connsiteX30" fmla="*/ 145093 w 3850317"/>
+              <a:gd name="connsiteY30" fmla="*/ 3878379 h 5978116"/>
+              <a:gd name="connsiteX31" fmla="*/ 72373 w 3850317"/>
+              <a:gd name="connsiteY31" fmla="*/ 2447189 h 5978116"/>
+              <a:gd name="connsiteX32" fmla="*/ 0 w 3850317"/>
+              <a:gd name="connsiteY32" fmla="*/ 0 h 5978116"/>
+            </a:gdLst>
+            <a:ahLst/>
+            <a:cxnLst>
+              <a:cxn ang="0">
+                <a:pos x="connsiteX0" y="connsiteY0"/>
+              </a:cxn>
+              <a:cxn ang="0">
+                <a:pos x="connsiteX1" y="connsiteY1"/>
+              </a:cxn>
+              <a:cxn ang="0">
+                <a:pos x="connsiteX2" y="connsiteY2"/>
+              </a:cxn>
+              <a:cxn ang="0">
+                <a:pos x="connsiteX3" y="connsiteY3"/>
+              </a:cxn>
+              <a:cxn ang="0">
+                <a:pos x="connsiteX4" y="connsiteY4"/>
+              </a:cxn>
+              <a:cxn ang="0">
+                <a:pos x="connsiteX5" y="connsiteY5"/>
+              </a:cxn>
+              <a:cxn ang="0">
+                <a:pos x="connsiteX6" y="connsiteY6"/>
+              </a:cxn>
+              <a:cxn ang="0">
+                <a:pos x="connsiteX7" y="connsiteY7"/>
+              </a:cxn>
+              <a:cxn ang="0">
+                <a:pos x="connsiteX8" y="connsiteY8"/>
+              </a:cxn>
+              <a:cxn ang="0">
+                <a:pos x="connsiteX9" y="connsiteY9"/>
+              </a:cxn>
+              <a:cxn ang="0">
+                <a:pos x="connsiteX10" y="connsiteY10"/>
+              </a:cxn>
+              <a:cxn ang="0">
+                <a:pos x="connsiteX11" y="connsiteY11"/>
+              </a:cxn>
+              <a:cxn ang="0">
+                <a:pos x="connsiteX12" y="connsiteY12"/>
+              </a:cxn>
+              <a:cxn ang="0">
+                <a:pos x="connsiteX13" y="connsiteY13"/>
+              </a:cxn>
+              <a:cxn ang="0">
+                <a:pos x="connsiteX14" y="connsiteY14"/>
+              </a:cxn>
+              <a:cxn ang="0">
+                <a:pos x="connsiteX15" y="connsiteY15"/>
+              </a:cxn>
+              <a:cxn ang="0">
+                <a:pos x="connsiteX16" y="connsiteY16"/>
+              </a:cxn>
+              <a:cxn ang="0">
+                <a:pos x="connsiteX17" y="connsiteY17"/>
+              </a:cxn>
+              <a:cxn ang="0">
+                <a:pos x="connsiteX18" y="connsiteY18"/>
+              </a:cxn>
+              <a:cxn ang="0">
+                <a:pos x="connsiteX19" y="connsiteY19"/>
+              </a:cxn>
+              <a:cxn ang="0">
+                <a:pos x="connsiteX20" y="connsiteY20"/>
+              </a:cxn>
+              <a:cxn ang="0">
+                <a:pos x="connsiteX21" y="connsiteY21"/>
+              </a:cxn>
+              <a:cxn ang="0">
+                <a:pos x="connsiteX22" y="connsiteY22"/>
+              </a:cxn>
+              <a:cxn ang="0">
+                <a:pos x="connsiteX23" y="connsiteY23"/>
+              </a:cxn>
+              <a:cxn ang="0">
+                <a:pos x="connsiteX24" y="connsiteY24"/>
+              </a:cxn>
+              <a:cxn ang="0">
+                <a:pos x="connsiteX25" y="connsiteY25"/>
+              </a:cxn>
+              <a:cxn ang="0">
+                <a:pos x="connsiteX26" y="connsiteY26"/>
+              </a:cxn>
+              <a:cxn ang="0">
+                <a:pos x="connsiteX27" y="connsiteY27"/>
+              </a:cxn>
+              <a:cxn ang="0">
+                <a:pos x="connsiteX28" y="connsiteY28"/>
+              </a:cxn>
+              <a:cxn ang="0">
+                <a:pos x="connsiteX29" y="connsiteY29"/>
+              </a:cxn>
+              <a:cxn ang="0">
+                <a:pos x="connsiteX30" y="connsiteY30"/>
+              </a:cxn>
+              <a:cxn ang="0">
+                <a:pos x="connsiteX31" y="connsiteY31"/>
+              </a:cxn>
+              <a:cxn ang="0">
+                <a:pos x="connsiteX32" y="connsiteY32"/>
+              </a:cxn>
+            </a:cxnLst>
+            <a:rect l="l" t="t" r="r" b="b"/>
+            <a:pathLst>
+              <a:path w="3850317" h="5978116">
+                <a:moveTo>
+                  <a:pt x="0" y="0"/>
+                </a:moveTo>
+                <a:lnTo>
+                  <a:pt x="3850317" y="0"/>
+                </a:lnTo>
+                <a:lnTo>
+                  <a:pt x="3840373" y="258313"/>
+                </a:lnTo>
+                <a:cubicBezTo>
+                  <a:pt x="3816350" y="852957"/>
+                  <a:pt x="3786959" y="1372106"/>
+                  <a:pt x="3755448" y="1537847"/>
+                </a:cubicBezTo>
+                <a:cubicBezTo>
+                  <a:pt x="3300085" y="3936555"/>
+                  <a:pt x="3150490" y="3989537"/>
+                  <a:pt x="3150490" y="3989537"/>
+                </a:cubicBezTo>
+                <a:cubicBezTo>
+                  <a:pt x="3150490" y="3989537"/>
+                  <a:pt x="3124172" y="3732940"/>
+                  <a:pt x="3089544" y="3606200"/>
+                </a:cubicBezTo>
+                <a:cubicBezTo>
+                  <a:pt x="3082618" y="3784537"/>
+                  <a:pt x="2946529" y="4491302"/>
+                  <a:pt x="2922635" y="4519351"/>
+                </a:cubicBezTo>
+                <a:cubicBezTo>
+                  <a:pt x="2916749" y="4502729"/>
+                  <a:pt x="2910515" y="4484030"/>
+                  <a:pt x="2904628" y="4466023"/>
+                </a:cubicBezTo>
+                <a:cubicBezTo>
+                  <a:pt x="2884890" y="4501344"/>
+                  <a:pt x="2859958" y="4534241"/>
+                  <a:pt x="2825329" y="4562983"/>
+                </a:cubicBezTo>
+                <a:cubicBezTo>
+                  <a:pt x="2706208" y="4662020"/>
+                  <a:pt x="2743260" y="4833430"/>
+                  <a:pt x="2695127" y="4973329"/>
+                </a:cubicBezTo>
+                <a:cubicBezTo>
+                  <a:pt x="2446495" y="4877408"/>
+                  <a:pt x="2545186" y="4641589"/>
+                  <a:pt x="2501208" y="4457366"/>
+                </a:cubicBezTo>
+                <a:cubicBezTo>
+                  <a:pt x="2341225" y="4936277"/>
+                  <a:pt x="2267120" y="4837932"/>
+                  <a:pt x="2209291" y="5028388"/>
+                </a:cubicBezTo>
+                <a:cubicBezTo>
+                  <a:pt x="2137610" y="5264900"/>
+                  <a:pt x="2135532" y="5321344"/>
+                  <a:pt x="2135532" y="5321344"/>
+                </a:cubicBezTo>
+                <a:cubicBezTo>
+                  <a:pt x="2004983" y="5137467"/>
+                  <a:pt x="2054502" y="4933506"/>
+                  <a:pt x="2009139" y="4714655"/>
+                </a:cubicBezTo>
+                <a:cubicBezTo>
+                  <a:pt x="1956503" y="4642281"/>
+                  <a:pt x="1932264" y="4565753"/>
+                  <a:pt x="1918759" y="4486454"/>
+                </a:cubicBezTo>
+                <a:cubicBezTo>
+                  <a:pt x="1889671" y="4439359"/>
+                  <a:pt x="1848463" y="4656479"/>
+                  <a:pt x="1800676" y="4608346"/>
+                </a:cubicBezTo>
+                <a:cubicBezTo>
+                  <a:pt x="1760507" y="4832391"/>
+                  <a:pt x="1681208" y="5047087"/>
+                  <a:pt x="1614721" y="5319612"/>
+                </a:cubicBezTo>
+                <a:cubicBezTo>
+                  <a:pt x="1580786" y="5457780"/>
+                  <a:pt x="1530574" y="5446352"/>
+                  <a:pt x="1530921" y="5433540"/>
+                </a:cubicBezTo>
+                <a:cubicBezTo>
+                  <a:pt x="1532998" y="5109418"/>
+                  <a:pt x="1600177" y="5128464"/>
+                  <a:pt x="1569705" y="4803650"/>
+                </a:cubicBezTo>
+                <a:cubicBezTo>
+                  <a:pt x="1566242" y="4746167"/>
+                  <a:pt x="1596022" y="4651631"/>
+                  <a:pt x="1517416" y="4640204"/>
+                </a:cubicBezTo>
+                <a:cubicBezTo>
+                  <a:pt x="1415608" y="4628430"/>
+                  <a:pt x="1436385" y="4747898"/>
+                  <a:pt x="1425997" y="4800187"/>
+                </a:cubicBezTo>
+                <a:cubicBezTo>
+                  <a:pt x="1389291" y="5009342"/>
+                  <a:pt x="1370938" y="5149241"/>
+                  <a:pt x="1348083" y="5363245"/>
+                </a:cubicBezTo>
+                <a:cubicBezTo>
+                  <a:pt x="1336655" y="5453625"/>
+                  <a:pt x="1352931" y="5563743"/>
+                  <a:pt x="1200566" y="5526691"/>
+                </a:cubicBezTo>
+                <a:cubicBezTo>
+                  <a:pt x="1051664" y="5551623"/>
+                  <a:pt x="1099105" y="5719570"/>
+                  <a:pt x="1027770" y="5803718"/>
+                </a:cubicBezTo>
+                <a:cubicBezTo>
+                  <a:pt x="945009" y="5758701"/>
+                  <a:pt x="1003184" y="5640964"/>
+                  <a:pt x="892373" y="5604950"/>
+                </a:cubicBezTo>
+                <a:cubicBezTo>
+                  <a:pt x="925963" y="5772552"/>
+                  <a:pt x="680448" y="5747619"/>
+                  <a:pt x="681487" y="5914528"/>
+                </a:cubicBezTo>
+                <a:cubicBezTo>
+                  <a:pt x="534662" y="6049233"/>
+                  <a:pt x="467137" y="5947425"/>
+                  <a:pt x="414155" y="5817569"/>
+                </a:cubicBezTo>
+                <a:cubicBezTo>
+                  <a:pt x="348015" y="5648929"/>
+                  <a:pt x="370177" y="5468515"/>
+                  <a:pt x="360135" y="5287062"/>
+                </a:cubicBezTo>
+                <a:cubicBezTo>
+                  <a:pt x="338319" y="5059207"/>
+                  <a:pt x="278758" y="4907881"/>
+                  <a:pt x="281875" y="4677256"/>
+                </a:cubicBezTo>
+                <a:cubicBezTo>
+                  <a:pt x="237204" y="4527316"/>
+                  <a:pt x="250017" y="4367332"/>
+                  <a:pt x="237897" y="4207696"/>
+                </a:cubicBezTo>
+                <a:cubicBezTo>
+                  <a:pt x="210194" y="3969452"/>
+                  <a:pt x="176258" y="4119047"/>
+                  <a:pt x="145093" y="3878379"/>
+                </a:cubicBezTo>
+                <a:cubicBezTo>
+                  <a:pt x="114274" y="3641175"/>
+                  <a:pt x="72720" y="2448920"/>
+                  <a:pt x="72373" y="2447189"/>
+                </a:cubicBezTo>
+                <a:cubicBezTo>
+                  <a:pt x="72720" y="2447189"/>
+                  <a:pt x="12120" y="1233809"/>
+                  <a:pt x="0" y="0"/>
+                </a:cubicBezTo>
+                <a:close/>
+              </a:path>
+            </a:pathLst>
+          </a:custGeom>
+          <a:solidFill>
+            <a:schemeClr val="bg2">
+              <a:alpha val="50000"/>
+            </a:schemeClr>
+          </a:solidFill>
+          <a:ln w="32707" cap="flat">
+            <a:noFill/>
+            <a:prstDash val="solid"/>
+            <a:miter/>
+          </a:ln>
+        </p:spPr>
+        <p:txBody>
+          <a:bodyPr wrap="square" rtlCol="0" anchor="ctr">
+            <a:noAutofit/>
+          </a:bodyPr>
+          <a:lstStyle/>
+          <a:p>
+            <a:pPr algn="ctr"/>
+            <a:endParaRPr lang="en-US"/>
+          </a:p>
+        </p:txBody>
+      </p:sp>
+      <p:sp>
+        <p:nvSpPr>
+          <p:cNvPr id="2" name="Title 1">
+            <a:extLst>
+              <a:ext uri="{FF2B5EF4-FFF2-40B4-BE49-F238E27FC236}">
+                <a16:creationId xmlns:a16="http://schemas.microsoft.com/office/drawing/2014/main" id="{82AC76BF-7602-6C5D-3E03-922912277EA0}"/>
+              </a:ext>
+            </a:extLst>
+          </p:cNvPr>
+          <p:cNvSpPr>
+            <a:spLocks noGrp="1"/>
+          </p:cNvSpPr>
+          <p:nvPr>
+            <p:ph type="title"/>
+          </p:nvPr>
+        </p:nvSpPr>
+        <p:spPr>
+          <a:xfrm>
+            <a:off x="535387" y="2248263"/>
+            <a:ext cx="3768917" cy="1606163"/>
+          </a:xfrm>
+        </p:spPr>
+        <p:txBody>
+          <a:bodyPr vert="horz" lIns="91440" tIns="45720" rIns="91440" bIns="45720" rtlCol="0" anchor="b">
+            <a:normAutofit/>
+          </a:bodyPr>
+          <a:lstStyle/>
+          <a:p>
+            <a:r>
+              <a:rPr lang="en-US" kern="1200">
+                <a:solidFill>
+                  <a:schemeClr val="tx1"/>
+                </a:solidFill>
+                <a:latin typeface="+mj-lt"/>
+                <a:ea typeface="+mj-ea"/>
+                <a:cs typeface="+mj-cs"/>
+              </a:rPr>
+              <a:t>Mainos</a:t>
+            </a:r>
+          </a:p>
+        </p:txBody>
+      </p:sp>
+      <p:pic>
+        <p:nvPicPr>
+          <p:cNvPr id="5" name="Content Placeholder 4" descr="A screenshot of a video game&#10;&#10;Description automatically generated with medium confidence">
+            <a:extLst>
+              <a:ext uri="{FF2B5EF4-FFF2-40B4-BE49-F238E27FC236}">
+                <a16:creationId xmlns:a16="http://schemas.microsoft.com/office/drawing/2014/main" id="{8CF34E10-30DB-E61F-5555-8DF911AB5F08}"/>
+              </a:ext>
+            </a:extLst>
+          </p:cNvPr>
+          <p:cNvPicPr>
+            <a:picLocks noGrp="1" noChangeAspect="1"/>
+          </p:cNvPicPr>
+          <p:nvPr>
+            <p:ph idx="1"/>
+          </p:nvPr>
+        </p:nvPicPr>
+        <p:blipFill>
+          <a:blip r:embed="rId2">
+            <a:extLst>
+              <a:ext uri="{28A0092B-C50C-407E-A947-70E740481C1C}">
+                <a14:useLocalDpi xmlns:a14="http://schemas.microsoft.com/office/drawing/2010/main" val="0"/>
+              </a:ext>
+            </a:extLst>
+          </a:blip>
+          <a:stretch>
+            <a:fillRect/>
+          </a:stretch>
+        </p:blipFill>
+        <p:spPr>
+          <a:xfrm>
+            <a:off x="7336919" y="0"/>
+            <a:ext cx="4852033" cy="6858000"/>
+          </a:xfrm>
+          <a:prstGeom prst="rect">
+            <a:avLst/>
+          </a:prstGeom>
+        </p:spPr>
+      </p:pic>
+    </p:spTree>
+    <p:extLst>
+      <p:ext uri="{BB962C8B-B14F-4D97-AF65-F5344CB8AC3E}">
+        <p14:creationId xmlns:p14="http://schemas.microsoft.com/office/powerpoint/2010/main" val="358186293"/>
+      </p:ext>
+    </p:extLst>
+  </p:cSld>
+  <p:clrMapOvr>
+    <a:masterClrMapping/>
+  </p:clrMapOvr>
+</p:sld>
+</file>
+
 <file path=ppt/slides/slide2.xml><?xml version="1.0" encoding="utf-8"?>
 <p:sld xmlns:a="http://schemas.openxmlformats.org/drawingml/2006/main" xmlns:r="http://schemas.openxmlformats.org/officeDocument/2006/relationships" xmlns:p="http://schemas.openxmlformats.org/presentationml/2006/main">
   <p:cSld>

--- a/Presentation.pptx
+++ b/Presentation.pptx
@@ -129,7 +129,7 @@
 <file path=ppt/revisionInfo.xml><?xml version="1.0" encoding="utf-8"?>
 <p1510:revInfo xmlns:a="http://schemas.openxmlformats.org/drawingml/2006/main" xmlns:r="http://schemas.openxmlformats.org/officeDocument/2006/relationships" xmlns:p1510="http://schemas.microsoft.com/office/powerpoint/2015/10/main">
   <p1510:revLst>
-    <p1510:client id="{4C15A45B-9F25-4595-8453-AD0D9F332138}" v="65" dt="2023-05-24T10:48:17.847"/>
+    <p1510:client id="{4C15A45B-9F25-4595-8453-AD0D9F332138}" v="66" dt="2023-05-24T10:52:29.308"/>
   </p1510:revLst>
 </p1510:revInfo>
 </file>
@@ -163,7 +163,7 @@
   <pc:docChgLst>
     <pc:chgData name="Sampo Virtanen" userId="345e3165-0594-4945-b9ee-894cefc34c70" providerId="ADAL" clId="{4C15A45B-9F25-4595-8453-AD0D9F332138}"/>
     <pc:docChg chg="undo redo custSel addSld delSld modSld sldOrd">
-      <pc:chgData name="Sampo Virtanen" userId="345e3165-0594-4945-b9ee-894cefc34c70" providerId="ADAL" clId="{4C15A45B-9F25-4595-8453-AD0D9F332138}" dt="2023-05-24T10:50:00.118" v="2404" actId="1076"/>
+      <pc:chgData name="Sampo Virtanen" userId="345e3165-0594-4945-b9ee-894cefc34c70" providerId="ADAL" clId="{4C15A45B-9F25-4595-8453-AD0D9F332138}" dt="2023-05-24T11:00:19.837" v="2792" actId="404"/>
       <pc:docMkLst>
         <pc:docMk/>
       </pc:docMkLst>
@@ -223,13 +223,13 @@
         </pc:picChg>
       </pc:sldChg>
       <pc:sldChg chg="addSp modSp mod setBg">
-        <pc:chgData name="Sampo Virtanen" userId="345e3165-0594-4945-b9ee-894cefc34c70" providerId="ADAL" clId="{4C15A45B-9F25-4595-8453-AD0D9F332138}" dt="2023-05-24T08:26:09.136" v="1053" actId="14100"/>
+        <pc:chgData name="Sampo Virtanen" userId="345e3165-0594-4945-b9ee-894cefc34c70" providerId="ADAL" clId="{4C15A45B-9F25-4595-8453-AD0D9F332138}" dt="2023-05-24T10:59:45.611" v="2778" actId="27636"/>
         <pc:sldMkLst>
           <pc:docMk/>
           <pc:sldMk cId="1828666980" sldId="257"/>
         </pc:sldMkLst>
         <pc:spChg chg="mod">
-          <ac:chgData name="Sampo Virtanen" userId="345e3165-0594-4945-b9ee-894cefc34c70" providerId="ADAL" clId="{4C15A45B-9F25-4595-8453-AD0D9F332138}" dt="2023-05-24T06:53:18.734" v="697" actId="26606"/>
+          <ac:chgData name="Sampo Virtanen" userId="345e3165-0594-4945-b9ee-894cefc34c70" providerId="ADAL" clId="{4C15A45B-9F25-4595-8453-AD0D9F332138}" dt="2023-05-24T10:59:38.424" v="2770" actId="404"/>
           <ac:spMkLst>
             <pc:docMk/>
             <pc:sldMk cId="1828666980" sldId="257"/>
@@ -237,7 +237,7 @@
           </ac:spMkLst>
         </pc:spChg>
         <pc:spChg chg="mod">
-          <ac:chgData name="Sampo Virtanen" userId="345e3165-0594-4945-b9ee-894cefc34c70" providerId="ADAL" clId="{4C15A45B-9F25-4595-8453-AD0D9F332138}" dt="2023-05-24T06:53:18.734" v="697" actId="26606"/>
+          <ac:chgData name="Sampo Virtanen" userId="345e3165-0594-4945-b9ee-894cefc34c70" providerId="ADAL" clId="{4C15A45B-9F25-4595-8453-AD0D9F332138}" dt="2023-05-24T10:59:45.611" v="2778" actId="27636"/>
           <ac:spMkLst>
             <pc:docMk/>
             <pc:sldMk cId="1828666980" sldId="257"/>
@@ -286,7 +286,7 @@
         </pc:picChg>
       </pc:sldChg>
       <pc:sldChg chg="addSp modSp mod setBg">
-        <pc:chgData name="Sampo Virtanen" userId="345e3165-0594-4945-b9ee-894cefc34c70" providerId="ADAL" clId="{4C15A45B-9F25-4595-8453-AD0D9F332138}" dt="2023-05-24T08:33:30.613" v="1061" actId="14100"/>
+        <pc:chgData name="Sampo Virtanen" userId="345e3165-0594-4945-b9ee-894cefc34c70" providerId="ADAL" clId="{4C15A45B-9F25-4595-8453-AD0D9F332138}" dt="2023-05-24T11:00:01.080" v="2784" actId="404"/>
         <pc:sldMkLst>
           <pc:docMk/>
           <pc:sldMk cId="2938174880" sldId="258"/>
@@ -300,7 +300,7 @@
           </ac:spMkLst>
         </pc:spChg>
         <pc:spChg chg="mod">
-          <ac:chgData name="Sampo Virtanen" userId="345e3165-0594-4945-b9ee-894cefc34c70" providerId="ADAL" clId="{4C15A45B-9F25-4595-8453-AD0D9F332138}" dt="2023-05-24T08:13:34.575" v="1045" actId="6549"/>
+          <ac:chgData name="Sampo Virtanen" userId="345e3165-0594-4945-b9ee-894cefc34c70" providerId="ADAL" clId="{4C15A45B-9F25-4595-8453-AD0D9F332138}" dt="2023-05-24T11:00:01.080" v="2784" actId="404"/>
           <ac:spMkLst>
             <pc:docMk/>
             <pc:sldMk cId="2938174880" sldId="258"/>
@@ -333,13 +333,13 @@
         </pc:picChg>
       </pc:sldChg>
       <pc:sldChg chg="addSp delSp modSp mod setBg">
-        <pc:chgData name="Sampo Virtanen" userId="345e3165-0594-4945-b9ee-894cefc34c70" providerId="ADAL" clId="{4C15A45B-9F25-4595-8453-AD0D9F332138}" dt="2023-05-24T06:53:48.762" v="703" actId="26606"/>
+        <pc:chgData name="Sampo Virtanen" userId="345e3165-0594-4945-b9ee-894cefc34c70" providerId="ADAL" clId="{4C15A45B-9F25-4595-8453-AD0D9F332138}" dt="2023-05-24T11:00:08.453" v="2788" actId="403"/>
         <pc:sldMkLst>
           <pc:docMk/>
           <pc:sldMk cId="621448307" sldId="259"/>
         </pc:sldMkLst>
         <pc:spChg chg="mod">
-          <ac:chgData name="Sampo Virtanen" userId="345e3165-0594-4945-b9ee-894cefc34c70" providerId="ADAL" clId="{4C15A45B-9F25-4595-8453-AD0D9F332138}" dt="2023-05-24T06:53:48.762" v="703" actId="26606"/>
+          <ac:chgData name="Sampo Virtanen" userId="345e3165-0594-4945-b9ee-894cefc34c70" providerId="ADAL" clId="{4C15A45B-9F25-4595-8453-AD0D9F332138}" dt="2023-05-24T11:00:04.618" v="2786" actId="1076"/>
           <ac:spMkLst>
             <pc:docMk/>
             <pc:sldMk cId="621448307" sldId="259"/>
@@ -347,7 +347,7 @@
           </ac:spMkLst>
         </pc:spChg>
         <pc:spChg chg="mod">
-          <ac:chgData name="Sampo Virtanen" userId="345e3165-0594-4945-b9ee-894cefc34c70" providerId="ADAL" clId="{4C15A45B-9F25-4595-8453-AD0D9F332138}" dt="2023-05-24T06:53:48.762" v="703" actId="26606"/>
+          <ac:chgData name="Sampo Virtanen" userId="345e3165-0594-4945-b9ee-894cefc34c70" providerId="ADAL" clId="{4C15A45B-9F25-4595-8453-AD0D9F332138}" dt="2023-05-24T11:00:08.453" v="2788" actId="403"/>
           <ac:spMkLst>
             <pc:docMk/>
             <pc:sldMk cId="621448307" sldId="259"/>
@@ -436,7 +436,7 @@
         </pc:picChg>
       </pc:sldChg>
       <pc:sldChg chg="addSp modSp mod setBg">
-        <pc:chgData name="Sampo Virtanen" userId="345e3165-0594-4945-b9ee-894cefc34c70" providerId="ADAL" clId="{4C15A45B-9F25-4595-8453-AD0D9F332138}" dt="2023-05-24T06:54:29.575" v="704" actId="26606"/>
+        <pc:chgData name="Sampo Virtanen" userId="345e3165-0594-4945-b9ee-894cefc34c70" providerId="ADAL" clId="{4C15A45B-9F25-4595-8453-AD0D9F332138}" dt="2023-05-24T11:00:19.837" v="2792" actId="404"/>
         <pc:sldMkLst>
           <pc:docMk/>
           <pc:sldMk cId="2452676764" sldId="260"/>
@@ -450,7 +450,7 @@
           </ac:spMkLst>
         </pc:spChg>
         <pc:spChg chg="mod">
-          <ac:chgData name="Sampo Virtanen" userId="345e3165-0594-4945-b9ee-894cefc34c70" providerId="ADAL" clId="{4C15A45B-9F25-4595-8453-AD0D9F332138}" dt="2023-05-24T06:54:29.575" v="704" actId="26606"/>
+          <ac:chgData name="Sampo Virtanen" userId="345e3165-0594-4945-b9ee-894cefc34c70" providerId="ADAL" clId="{4C15A45B-9F25-4595-8453-AD0D9F332138}" dt="2023-05-24T11:00:19.837" v="2792" actId="404"/>
           <ac:spMkLst>
             <pc:docMk/>
             <pc:sldMk cId="2452676764" sldId="260"/>
@@ -704,7 +704,7 @@
         </pc:cxnChg>
       </pc:sldChg>
       <pc:sldChg chg="addSp delSp modSp mod setBg">
-        <pc:chgData name="Sampo Virtanen" userId="345e3165-0594-4945-b9ee-894cefc34c70" providerId="ADAL" clId="{4C15A45B-9F25-4595-8453-AD0D9F332138}" dt="2023-05-24T06:56:10.615" v="714" actId="26606"/>
+        <pc:chgData name="Sampo Virtanen" userId="345e3165-0594-4945-b9ee-894cefc34c70" providerId="ADAL" clId="{4C15A45B-9F25-4595-8453-AD0D9F332138}" dt="2023-05-24T10:52:29.308" v="2405" actId="20577"/>
         <pc:sldMkLst>
           <pc:docMk/>
           <pc:sldMk cId="3541686812" sldId="265"/>
@@ -733,8 +733,8 @@
             <ac:spMk id="9" creationId="{2659FDB4-FCBE-4A89-B46D-43D4FA54464D}"/>
           </ac:spMkLst>
         </pc:spChg>
-        <pc:graphicFrameChg chg="add">
-          <ac:chgData name="Sampo Virtanen" userId="345e3165-0594-4945-b9ee-894cefc34c70" providerId="ADAL" clId="{4C15A45B-9F25-4595-8453-AD0D9F332138}" dt="2023-05-24T06:56:10.615" v="714" actId="26606"/>
+        <pc:graphicFrameChg chg="add mod">
+          <ac:chgData name="Sampo Virtanen" userId="345e3165-0594-4945-b9ee-894cefc34c70" providerId="ADAL" clId="{4C15A45B-9F25-4595-8453-AD0D9F332138}" dt="2023-05-24T10:52:29.308" v="2405" actId="20577"/>
           <ac:graphicFrameMkLst>
             <pc:docMk/>
             <pc:sldMk cId="3541686812" sldId="265"/>
@@ -798,7 +798,7 @@
         </pc:picChg>
       </pc:sldChg>
       <pc:sldChg chg="addSp delSp modSp mod setBg">
-        <pc:chgData name="Sampo Virtanen" userId="345e3165-0594-4945-b9ee-894cefc34c70" providerId="ADAL" clId="{4C15A45B-9F25-4595-8453-AD0D9F332138}" dt="2023-05-24T07:13:17.319" v="856" actId="403"/>
+        <pc:chgData name="Sampo Virtanen" userId="345e3165-0594-4945-b9ee-894cefc34c70" providerId="ADAL" clId="{4C15A45B-9F25-4595-8453-AD0D9F332138}" dt="2023-05-24T10:57:21.842" v="2765" actId="20577"/>
         <pc:sldMkLst>
           <pc:docMk/>
           <pc:sldMk cId="1796804913" sldId="267"/>
@@ -812,7 +812,7 @@
           </ac:spMkLst>
         </pc:spChg>
         <pc:spChg chg="mod">
-          <ac:chgData name="Sampo Virtanen" userId="345e3165-0594-4945-b9ee-894cefc34c70" providerId="ADAL" clId="{4C15A45B-9F25-4595-8453-AD0D9F332138}" dt="2023-05-24T07:13:17.319" v="856" actId="403"/>
+          <ac:chgData name="Sampo Virtanen" userId="345e3165-0594-4945-b9ee-894cefc34c70" providerId="ADAL" clId="{4C15A45B-9F25-4595-8453-AD0D9F332138}" dt="2023-05-24T10:57:21.842" v="2765" actId="20577"/>
           <ac:spMkLst>
             <pc:docMk/>
             <pc:sldMk cId="1796804913" sldId="267"/>
@@ -1153,13 +1153,13 @@
         </pc:graphicFrameChg>
       </pc:sldChg>
       <pc:sldChg chg="addSp delSp modSp new mod setBg">
-        <pc:chgData name="Sampo Virtanen" userId="345e3165-0594-4945-b9ee-894cefc34c70" providerId="ADAL" clId="{4C15A45B-9F25-4595-8453-AD0D9F332138}" dt="2023-05-24T09:03:46.986" v="2247" actId="404"/>
+        <pc:chgData name="Sampo Virtanen" userId="345e3165-0594-4945-b9ee-894cefc34c70" providerId="ADAL" clId="{4C15A45B-9F25-4595-8453-AD0D9F332138}" dt="2023-05-24T10:54:39.117" v="2437" actId="20577"/>
         <pc:sldMkLst>
           <pc:docMk/>
           <pc:sldMk cId="3568807118" sldId="271"/>
         </pc:sldMkLst>
         <pc:spChg chg="mod">
-          <ac:chgData name="Sampo Virtanen" userId="345e3165-0594-4945-b9ee-894cefc34c70" providerId="ADAL" clId="{4C15A45B-9F25-4595-8453-AD0D9F332138}" dt="2023-05-24T09:03:19.533" v="2242" actId="27636"/>
+          <ac:chgData name="Sampo Virtanen" userId="345e3165-0594-4945-b9ee-894cefc34c70" providerId="ADAL" clId="{4C15A45B-9F25-4595-8453-AD0D9F332138}" dt="2023-05-24T10:53:37.024" v="2409" actId="1076"/>
           <ac:spMkLst>
             <pc:docMk/>
             <pc:sldMk cId="3568807118" sldId="271"/>
@@ -1215,7 +1215,7 @@
           </ac:spMkLst>
         </pc:spChg>
         <pc:spChg chg="add mod">
-          <ac:chgData name="Sampo Virtanen" userId="345e3165-0594-4945-b9ee-894cefc34c70" providerId="ADAL" clId="{4C15A45B-9F25-4595-8453-AD0D9F332138}" dt="2023-05-24T09:03:46.986" v="2247" actId="404"/>
+          <ac:chgData name="Sampo Virtanen" userId="345e3165-0594-4945-b9ee-894cefc34c70" providerId="ADAL" clId="{4C15A45B-9F25-4595-8453-AD0D9F332138}" dt="2023-05-24T10:54:39.117" v="2437" actId="20577"/>
           <ac:spMkLst>
             <pc:docMk/>
             <pc:sldMk cId="3568807118" sldId="271"/>
@@ -1240,7 +1240,7 @@
         </pc:picChg>
       </pc:sldChg>
       <pc:sldChg chg="addSp delSp modSp new mod setBg">
-        <pc:chgData name="Sampo Virtanen" userId="345e3165-0594-4945-b9ee-894cefc34c70" providerId="ADAL" clId="{4C15A45B-9F25-4595-8453-AD0D9F332138}" dt="2023-05-24T09:10:29.863" v="2378" actId="20577"/>
+        <pc:chgData name="Sampo Virtanen" userId="345e3165-0594-4945-b9ee-894cefc34c70" providerId="ADAL" clId="{4C15A45B-9F25-4595-8453-AD0D9F332138}" dt="2023-05-24T10:55:13.959" v="2505" actId="20577"/>
         <pc:sldMkLst>
           <pc:docMk/>
           <pc:sldMk cId="1924287665" sldId="272"/>
@@ -1254,7 +1254,7 @@
           </ac:spMkLst>
         </pc:spChg>
         <pc:spChg chg="mod">
-          <ac:chgData name="Sampo Virtanen" userId="345e3165-0594-4945-b9ee-894cefc34c70" providerId="ADAL" clId="{4C15A45B-9F25-4595-8453-AD0D9F332138}" dt="2023-05-24T09:10:29.863" v="2378" actId="20577"/>
+          <ac:chgData name="Sampo Virtanen" userId="345e3165-0594-4945-b9ee-894cefc34c70" providerId="ADAL" clId="{4C15A45B-9F25-4595-8453-AD0D9F332138}" dt="2023-05-24T10:55:13.959" v="2505" actId="20577"/>
           <ac:spMkLst>
             <pc:docMk/>
             <pc:sldMk cId="1924287665" sldId="272"/>
@@ -4441,7 +4441,7 @@
 <dgm:dataModel xmlns:dgm="http://schemas.openxmlformats.org/drawingml/2006/diagram" xmlns:a="http://schemas.openxmlformats.org/drawingml/2006/main">
   <dgm:ptLst>
     <dgm:pt modelId="{5AC78FBB-8300-407F-887C-B8D9DF2B1EB9}" type="doc">
-      <dgm:prSet loTypeId="urn:microsoft.com/office/officeart/2005/8/layout/vList2" loCatId="list" qsTypeId="urn:microsoft.com/office/officeart/2005/8/quickstyle/simple1" qsCatId="simple" csTypeId="urn:microsoft.com/office/officeart/2005/8/colors/colorful2" csCatId="colorful"/>
+      <dgm:prSet loTypeId="urn:microsoft.com/office/officeart/2005/8/layout/vList2" loCatId="list" qsTypeId="urn:microsoft.com/office/officeart/2005/8/quickstyle/simple1" qsCatId="simple" csTypeId="urn:microsoft.com/office/officeart/2005/8/colors/colorful2" csCatId="colorful" phldr="1"/>
       <dgm:spPr/>
       <dgm:t>
         <a:bodyPr/>
@@ -4553,10 +4553,54 @@
         <a:lstStyle/>
         <a:p>
           <a:r>
-            <a:rPr lang="en-GB"/>
-            <a:t>Peliä kehitetään 10 vuotta ja julkastaan rikkinäisenä.</a:t>
+            <a:rPr lang="en-GB" dirty="0" err="1"/>
+            <a:t>Peliä</a:t>
           </a:r>
-          <a:endParaRPr lang="en-US"/>
+          <a:r>
+            <a:rPr lang="en-GB" dirty="0"/>
+            <a:t> </a:t>
+          </a:r>
+          <a:r>
+            <a:rPr lang="en-GB" dirty="0" err="1"/>
+            <a:t>kehitetään</a:t>
+          </a:r>
+          <a:r>
+            <a:rPr lang="en-GB" dirty="0"/>
+            <a:t> 10 </a:t>
+          </a:r>
+          <a:r>
+            <a:rPr lang="en-GB" dirty="0" err="1"/>
+            <a:t>vuotta</a:t>
+          </a:r>
+          <a:r>
+            <a:rPr lang="en-GB" dirty="0"/>
+            <a:t> </a:t>
+          </a:r>
+          <a:r>
+            <a:rPr lang="en-GB" dirty="0" err="1"/>
+            <a:t>ja</a:t>
+          </a:r>
+          <a:r>
+            <a:rPr lang="en-GB" dirty="0"/>
+            <a:t> </a:t>
+          </a:r>
+          <a:r>
+            <a:rPr lang="en-GB" dirty="0" err="1"/>
+            <a:t>julkaistaan</a:t>
+          </a:r>
+          <a:r>
+            <a:rPr lang="en-GB" dirty="0"/>
+            <a:t> </a:t>
+          </a:r>
+          <a:r>
+            <a:rPr lang="en-GB" dirty="0" err="1"/>
+            <a:t>rikkinäisenä</a:t>
+          </a:r>
+          <a:r>
+            <a:rPr lang="en-GB" dirty="0"/>
+            <a:t>.</a:t>
+          </a:r>
+          <a:endParaRPr lang="en-US" dirty="0"/>
         </a:p>
       </dgm:t>
     </dgm:pt>
@@ -4590,10 +4634,82 @@
         <a:lstStyle/>
         <a:p>
           <a:r>
-            <a:rPr lang="en-GB"/>
-            <a:t>3:n vuoden päästä julkaisusta lopetetaan päivitykset vaikka peli on vielä kesken.</a:t>
+            <a:rPr lang="en-GB" dirty="0"/>
+            <a:t>3:n </a:t>
           </a:r>
-          <a:endParaRPr lang="en-US"/>
+          <a:r>
+            <a:rPr lang="en-GB" dirty="0" err="1"/>
+            <a:t>vuoden</a:t>
+          </a:r>
+          <a:r>
+            <a:rPr lang="en-GB" dirty="0"/>
+            <a:t> </a:t>
+          </a:r>
+          <a:r>
+            <a:rPr lang="en-GB" dirty="0" err="1"/>
+            <a:t>päästä</a:t>
+          </a:r>
+          <a:r>
+            <a:rPr lang="en-GB" dirty="0"/>
+            <a:t> </a:t>
+          </a:r>
+          <a:r>
+            <a:rPr lang="en-GB" dirty="0" err="1"/>
+            <a:t>julkaisusta</a:t>
+          </a:r>
+          <a:r>
+            <a:rPr lang="en-GB" dirty="0"/>
+            <a:t> </a:t>
+          </a:r>
+          <a:r>
+            <a:rPr lang="en-GB" dirty="0" err="1"/>
+            <a:t>lopetetaan</a:t>
+          </a:r>
+          <a:r>
+            <a:rPr lang="en-GB" dirty="0"/>
+            <a:t> </a:t>
+          </a:r>
+          <a:r>
+            <a:rPr lang="en-GB" dirty="0" err="1"/>
+            <a:t>päivitykset</a:t>
+          </a:r>
+          <a:r>
+            <a:rPr lang="en-GB" dirty="0"/>
+            <a:t> </a:t>
+          </a:r>
+          <a:r>
+            <a:rPr lang="en-GB" dirty="0" err="1"/>
+            <a:t>vaikka</a:t>
+          </a:r>
+          <a:r>
+            <a:rPr lang="en-GB" dirty="0"/>
+            <a:t> </a:t>
+          </a:r>
+          <a:r>
+            <a:rPr lang="en-GB" dirty="0" err="1"/>
+            <a:t>peli</a:t>
+          </a:r>
+          <a:r>
+            <a:rPr lang="en-GB" dirty="0"/>
+            <a:t> on </a:t>
+          </a:r>
+          <a:r>
+            <a:rPr lang="en-GB" dirty="0" err="1"/>
+            <a:t>vielä</a:t>
+          </a:r>
+          <a:r>
+            <a:rPr lang="en-GB" dirty="0"/>
+            <a:t> </a:t>
+          </a:r>
+          <a:r>
+            <a:rPr lang="en-GB" dirty="0" err="1"/>
+            <a:t>kesken</a:t>
+          </a:r>
+          <a:r>
+            <a:rPr lang="en-GB" dirty="0"/>
+            <a:t>.</a:t>
+          </a:r>
+          <a:endParaRPr lang="en-US" dirty="0"/>
         </a:p>
       </dgm:t>
     </dgm:pt>
@@ -5669,10 +5785,54 @@
             <a:buChar char="•"/>
           </a:pPr>
           <a:r>
-            <a:rPr lang="en-GB" sz="2900" kern="1200"/>
-            <a:t>Peliä kehitetään 10 vuotta ja julkastaan rikkinäisenä.</a:t>
+            <a:rPr lang="en-GB" sz="2900" kern="1200" dirty="0" err="1"/>
+            <a:t>Peliä</a:t>
           </a:r>
-          <a:endParaRPr lang="en-US" sz="2900" kern="1200"/>
+          <a:r>
+            <a:rPr lang="en-GB" sz="2900" kern="1200" dirty="0"/>
+            <a:t> </a:t>
+          </a:r>
+          <a:r>
+            <a:rPr lang="en-GB" sz="2900" kern="1200" dirty="0" err="1"/>
+            <a:t>kehitetään</a:t>
+          </a:r>
+          <a:r>
+            <a:rPr lang="en-GB" sz="2900" kern="1200" dirty="0"/>
+            <a:t> 10 </a:t>
+          </a:r>
+          <a:r>
+            <a:rPr lang="en-GB" sz="2900" kern="1200" dirty="0" err="1"/>
+            <a:t>vuotta</a:t>
+          </a:r>
+          <a:r>
+            <a:rPr lang="en-GB" sz="2900" kern="1200" dirty="0"/>
+            <a:t> </a:t>
+          </a:r>
+          <a:r>
+            <a:rPr lang="en-GB" sz="2900" kern="1200" dirty="0" err="1"/>
+            <a:t>ja</a:t>
+          </a:r>
+          <a:r>
+            <a:rPr lang="en-GB" sz="2900" kern="1200" dirty="0"/>
+            <a:t> </a:t>
+          </a:r>
+          <a:r>
+            <a:rPr lang="en-GB" sz="2900" kern="1200" dirty="0" err="1"/>
+            <a:t>julkaistaan</a:t>
+          </a:r>
+          <a:r>
+            <a:rPr lang="en-GB" sz="2900" kern="1200" dirty="0"/>
+            <a:t> </a:t>
+          </a:r>
+          <a:r>
+            <a:rPr lang="en-GB" sz="2900" kern="1200" dirty="0" err="1"/>
+            <a:t>rikkinäisenä</a:t>
+          </a:r>
+          <a:r>
+            <a:rPr lang="en-GB" sz="2900" kern="1200" dirty="0"/>
+            <a:t>.</a:t>
+          </a:r>
+          <a:endParaRPr lang="en-US" sz="2900" kern="1200" dirty="0"/>
         </a:p>
         <a:p>
           <a:pPr marL="285750" lvl="1" indent="-285750" algn="l" defTabSz="1289050">
@@ -5688,10 +5848,82 @@
             <a:buChar char="•"/>
           </a:pPr>
           <a:r>
-            <a:rPr lang="en-GB" sz="2900" kern="1200"/>
-            <a:t>3:n vuoden päästä julkaisusta lopetetaan päivitykset vaikka peli on vielä kesken.</a:t>
+            <a:rPr lang="en-GB" sz="2900" kern="1200" dirty="0"/>
+            <a:t>3:n </a:t>
           </a:r>
-          <a:endParaRPr lang="en-US" sz="2900" kern="1200"/>
+          <a:r>
+            <a:rPr lang="en-GB" sz="2900" kern="1200" dirty="0" err="1"/>
+            <a:t>vuoden</a:t>
+          </a:r>
+          <a:r>
+            <a:rPr lang="en-GB" sz="2900" kern="1200" dirty="0"/>
+            <a:t> </a:t>
+          </a:r>
+          <a:r>
+            <a:rPr lang="en-GB" sz="2900" kern="1200" dirty="0" err="1"/>
+            <a:t>päästä</a:t>
+          </a:r>
+          <a:r>
+            <a:rPr lang="en-GB" sz="2900" kern="1200" dirty="0"/>
+            <a:t> </a:t>
+          </a:r>
+          <a:r>
+            <a:rPr lang="en-GB" sz="2900" kern="1200" dirty="0" err="1"/>
+            <a:t>julkaisusta</a:t>
+          </a:r>
+          <a:r>
+            <a:rPr lang="en-GB" sz="2900" kern="1200" dirty="0"/>
+            <a:t> </a:t>
+          </a:r>
+          <a:r>
+            <a:rPr lang="en-GB" sz="2900" kern="1200" dirty="0" err="1"/>
+            <a:t>lopetetaan</a:t>
+          </a:r>
+          <a:r>
+            <a:rPr lang="en-GB" sz="2900" kern="1200" dirty="0"/>
+            <a:t> </a:t>
+          </a:r>
+          <a:r>
+            <a:rPr lang="en-GB" sz="2900" kern="1200" dirty="0" err="1"/>
+            <a:t>päivitykset</a:t>
+          </a:r>
+          <a:r>
+            <a:rPr lang="en-GB" sz="2900" kern="1200" dirty="0"/>
+            <a:t> </a:t>
+          </a:r>
+          <a:r>
+            <a:rPr lang="en-GB" sz="2900" kern="1200" dirty="0" err="1"/>
+            <a:t>vaikka</a:t>
+          </a:r>
+          <a:r>
+            <a:rPr lang="en-GB" sz="2900" kern="1200" dirty="0"/>
+            <a:t> </a:t>
+          </a:r>
+          <a:r>
+            <a:rPr lang="en-GB" sz="2900" kern="1200" dirty="0" err="1"/>
+            <a:t>peli</a:t>
+          </a:r>
+          <a:r>
+            <a:rPr lang="en-GB" sz="2900" kern="1200" dirty="0"/>
+            <a:t> on </a:t>
+          </a:r>
+          <a:r>
+            <a:rPr lang="en-GB" sz="2900" kern="1200" dirty="0" err="1"/>
+            <a:t>vielä</a:t>
+          </a:r>
+          <a:r>
+            <a:rPr lang="en-GB" sz="2900" kern="1200" dirty="0"/>
+            <a:t> </a:t>
+          </a:r>
+          <a:r>
+            <a:rPr lang="en-GB" sz="2900" kern="1200" dirty="0" err="1"/>
+            <a:t>kesken</a:t>
+          </a:r>
+          <a:r>
+            <a:rPr lang="en-GB" sz="2900" kern="1200" dirty="0"/>
+            <a:t>.</a:t>
+          </a:r>
+          <a:endParaRPr lang="en-US" sz="2900" kern="1200" dirty="0"/>
         </a:p>
         <a:p>
           <a:pPr marL="285750" lvl="1" indent="-285750" algn="l" defTabSz="1289050">
@@ -14285,11 +14517,16 @@
               </a:rPr>
               <a:t>Hoitelee kilpailijat</a:t>
             </a:r>
-            <a:endParaRPr lang="en-GB" sz="2000" dirty="0">
-              <a:solidFill>
-                <a:srgbClr val="FFFFFF"/>
-              </a:solidFill>
-            </a:endParaRPr>
+          </a:p>
+          <a:p>
+            <a:r>
+              <a:rPr lang="fi-FI" sz="3200" dirty="0">
+                <a:solidFill>
+                  <a:srgbClr val="FFFFFF"/>
+                </a:solidFill>
+              </a:rPr>
+              <a:t>Saa takaisin työntekijöiden sielut ja ei-elintärkeät elimet</a:t>
+            </a:r>
           </a:p>
         </p:txBody>
       </p:sp>
@@ -14543,7 +14780,7 @@
         </p:nvSpPr>
         <p:spPr>
           <a:xfrm>
-            <a:off x="4572001" y="0"/>
+            <a:off x="4572001" y="180769"/>
             <a:ext cx="6781800" cy="680720"/>
           </a:xfrm>
         </p:spPr>
@@ -15477,7 +15714,7 @@
         </p:nvSpPr>
         <p:spPr>
           <a:xfrm>
-            <a:off x="4572001" y="688574"/>
+            <a:off x="4572001" y="1042257"/>
             <a:ext cx="7264398" cy="6372626"/>
           </a:xfrm>
         </p:spPr>
@@ -15488,495 +15725,445 @@
           <a:lstStyle/>
           <a:p>
             <a:r>
-              <a:rPr lang="en-GB" sz="2400" dirty="0" err="1"/>
-              <a:t>Toimitusjohtaja</a:t>
-            </a:r>
-            <a:r>
-              <a:rPr lang="en-GB" sz="2400" dirty="0"/>
-              <a:t> on </a:t>
-            </a:r>
-            <a:r>
-              <a:rPr lang="en-GB" sz="2400" dirty="0" err="1"/>
-              <a:t>perinyt</a:t>
-            </a:r>
-            <a:r>
-              <a:rPr lang="en-GB" sz="2400" dirty="0"/>
+              <a:rPr lang="en-GB" sz="2500" dirty="0" err="1"/>
+              <a:t>Työntekijöiden</a:t>
+            </a:r>
+            <a:r>
+              <a:rPr lang="en-GB" sz="2500" dirty="0"/>
+              <a:t> (</a:t>
+            </a:r>
+            <a:r>
+              <a:rPr lang="en-GB" sz="2500" dirty="0" err="1"/>
+              <a:t>yhteinen</a:t>
+            </a:r>
+            <a:r>
+              <a:rPr lang="en-GB" sz="2500" dirty="0"/>
+              <a:t>) </a:t>
+            </a:r>
+            <a:r>
+              <a:rPr lang="en-GB" sz="2500" dirty="0" err="1"/>
+              <a:t>palkka</a:t>
+            </a:r>
+            <a:r>
+              <a:rPr lang="en-GB" sz="2500" dirty="0"/>
               <a:t> </a:t>
             </a:r>
             <a:r>
-              <a:rPr lang="en-GB" sz="2400" dirty="0" err="1"/>
-              <a:t>yrityksen</a:t>
-            </a:r>
-            <a:r>
-              <a:rPr lang="en-GB" sz="2400" dirty="0"/>
-              <a:t>, </a:t>
-            </a:r>
-            <a:r>
-              <a:rPr lang="en-GB" sz="2400" dirty="0" err="1"/>
-              <a:t>eli</a:t>
-            </a:r>
-            <a:r>
-              <a:rPr lang="en-GB" sz="2400" dirty="0"/>
+              <a:rPr lang="en-GB" sz="2500" dirty="0" err="1"/>
+              <a:t>saisi</a:t>
+            </a:r>
+            <a:r>
+              <a:rPr lang="en-GB" sz="2500" dirty="0"/>
+              <a:t> olla </a:t>
+            </a:r>
+            <a:r>
+              <a:rPr lang="en-GB" sz="2500" dirty="0" err="1"/>
+              <a:t>korkeintaan</a:t>
+            </a:r>
+            <a:r>
+              <a:rPr lang="en-GB" sz="2500" dirty="0"/>
+              <a:t> 10€/</a:t>
+            </a:r>
+            <a:r>
+              <a:rPr lang="en-GB" sz="2500" dirty="0" err="1"/>
+              <a:t>tunti</a:t>
+            </a:r>
+            <a:r>
+              <a:rPr lang="en-GB" sz="2500" dirty="0"/>
+              <a:t>=100€/</a:t>
+            </a:r>
+            <a:r>
+              <a:rPr lang="en-GB" sz="2500" dirty="0" err="1"/>
+              <a:t>päivä</a:t>
+            </a:r>
+            <a:r>
+              <a:rPr lang="en-GB" sz="2500" dirty="0"/>
+              <a:t>=3000€/kk (</a:t>
+            </a:r>
+            <a:r>
+              <a:rPr lang="en-GB" sz="2500" dirty="0" err="1"/>
+              <a:t>korkeampi</a:t>
+            </a:r>
+            <a:r>
+              <a:rPr lang="en-GB" sz="2500" dirty="0"/>
               <a:t> </a:t>
             </a:r>
             <a:r>
-              <a:rPr lang="en-GB" sz="2400" dirty="0" err="1"/>
-              <a:t>ei</a:t>
-            </a:r>
-            <a:r>
-              <a:rPr lang="en-GB" sz="2400" dirty="0"/>
-              <a:t> ole </a:t>
-            </a:r>
-            <a:r>
-              <a:rPr lang="en-GB" sz="2400" dirty="0" err="1"/>
-              <a:t>perustamiskuluja</a:t>
-            </a:r>
-            <a:r>
-              <a:rPr lang="en-GB" sz="2400" dirty="0"/>
+              <a:rPr lang="en-GB" sz="2500" dirty="0" err="1"/>
+              <a:t>palkka</a:t>
+            </a:r>
+            <a:r>
+              <a:rPr lang="en-GB" sz="2500" dirty="0"/>
+              <a:t> </a:t>
+            </a:r>
+            <a:r>
+              <a:rPr lang="en-GB" sz="2500" dirty="0" err="1"/>
+              <a:t>vaikuttaisi</a:t>
+            </a:r>
+            <a:r>
+              <a:rPr lang="en-GB" sz="2500" dirty="0"/>
+              <a:t> </a:t>
+            </a:r>
+            <a:r>
+              <a:rPr lang="en-GB" sz="2500" dirty="0" err="1"/>
+              <a:t>negatiivisesti</a:t>
+            </a:r>
+            <a:r>
+              <a:rPr lang="en-GB" sz="2500" dirty="0"/>
+              <a:t> </a:t>
+            </a:r>
+            <a:r>
+              <a:rPr lang="en-GB" sz="2500" dirty="0" err="1"/>
+              <a:t>sikaribudjettiin</a:t>
+            </a:r>
+            <a:r>
+              <a:rPr lang="en-GB" sz="2500" dirty="0"/>
+              <a:t>). </a:t>
+            </a:r>
+            <a:r>
+              <a:rPr lang="en-GB" sz="2500" dirty="0" err="1"/>
+              <a:t>Tulisi</a:t>
+            </a:r>
+            <a:r>
+              <a:rPr lang="en-GB" sz="2500" dirty="0"/>
+              <a:t> </a:t>
+            </a:r>
+            <a:r>
+              <a:rPr lang="en-GB" sz="2500" dirty="0" err="1"/>
+              <a:t>hyvin</a:t>
+            </a:r>
+            <a:r>
+              <a:rPr lang="en-GB" sz="2500" dirty="0"/>
+              <a:t> </a:t>
+            </a:r>
+            <a:r>
+              <a:rPr lang="en-GB" sz="2500" dirty="0" err="1"/>
+              <a:t>kalliiksi</a:t>
+            </a:r>
+            <a:r>
+              <a:rPr lang="en-GB" sz="2500" dirty="0"/>
               <a:t>.</a:t>
             </a:r>
           </a:p>
           <a:p>
             <a:r>
-              <a:rPr lang="en-GB" sz="2400" dirty="0" err="1"/>
-              <a:t>Työntekijöiden</a:t>
-            </a:r>
-            <a:r>
-              <a:rPr lang="en-GB" sz="2400" dirty="0"/>
-              <a:t> (</a:t>
-            </a:r>
-            <a:r>
-              <a:rPr lang="en-GB" sz="2400" dirty="0" err="1"/>
-              <a:t>yhteinen</a:t>
-            </a:r>
-            <a:r>
-              <a:rPr lang="en-GB" sz="2400" dirty="0"/>
-              <a:t>) </a:t>
-            </a:r>
-            <a:r>
-              <a:rPr lang="en-GB" sz="2400" dirty="0" err="1"/>
-              <a:t>palkka</a:t>
-            </a:r>
-            <a:r>
-              <a:rPr lang="en-GB" sz="2400" dirty="0"/>
+              <a:rPr lang="en-GB" sz="2500" dirty="0" err="1"/>
+              <a:t>Työntekijöille</a:t>
+            </a:r>
+            <a:r>
+              <a:rPr lang="en-GB" sz="2500" dirty="0"/>
               <a:t> </a:t>
             </a:r>
             <a:r>
-              <a:rPr lang="en-GB" sz="2400" dirty="0" err="1"/>
-              <a:t>saisi</a:t>
-            </a:r>
-            <a:r>
-              <a:rPr lang="en-GB" sz="2400" dirty="0"/>
-              <a:t> olla </a:t>
-            </a:r>
-            <a:r>
-              <a:rPr lang="en-GB" sz="2400" dirty="0" err="1"/>
-              <a:t>korkeintaan</a:t>
-            </a:r>
-            <a:r>
-              <a:rPr lang="en-GB" sz="2400" dirty="0"/>
-              <a:t> 10€/</a:t>
-            </a:r>
-            <a:r>
-              <a:rPr lang="en-GB" sz="2400" dirty="0" err="1"/>
-              <a:t>tunti</a:t>
-            </a:r>
-            <a:r>
-              <a:rPr lang="en-GB" sz="2400" dirty="0"/>
-              <a:t>=100€/</a:t>
-            </a:r>
-            <a:r>
-              <a:rPr lang="en-GB" sz="2400" dirty="0" err="1"/>
-              <a:t>päivä</a:t>
-            </a:r>
-            <a:r>
-              <a:rPr lang="en-GB" sz="2400" dirty="0"/>
-              <a:t>=3000€/kk (</a:t>
-            </a:r>
-            <a:r>
-              <a:rPr lang="en-GB" sz="2400" dirty="0" err="1"/>
-              <a:t>korkeampi</a:t>
-            </a:r>
-            <a:r>
-              <a:rPr lang="en-GB" sz="2400" dirty="0"/>
+              <a:rPr lang="en-GB" sz="2500" dirty="0" err="1"/>
+              <a:t>tarvitaan</a:t>
+            </a:r>
+            <a:r>
+              <a:rPr lang="en-GB" sz="2500" dirty="0"/>
               <a:t> </a:t>
             </a:r>
             <a:r>
-              <a:rPr lang="en-GB" sz="2400" dirty="0" err="1"/>
-              <a:t>palkka</a:t>
-            </a:r>
-            <a:r>
-              <a:rPr lang="en-GB" sz="2400" dirty="0"/>
+              <a:rPr lang="en-GB" sz="2500" dirty="0" err="1"/>
+              <a:t>siis</a:t>
+            </a:r>
+            <a:r>
+              <a:rPr lang="en-GB" sz="2500" dirty="0"/>
               <a:t> </a:t>
             </a:r>
             <a:r>
-              <a:rPr lang="en-GB" sz="2400" dirty="0" err="1"/>
-              <a:t>vaikuttaisi</a:t>
-            </a:r>
-            <a:r>
-              <a:rPr lang="en-GB" sz="2400" dirty="0"/>
+              <a:rPr lang="en-GB" sz="2500" dirty="0" err="1"/>
+              <a:t>palkan</a:t>
+            </a:r>
+            <a:r>
+              <a:rPr lang="en-GB" sz="2500" dirty="0"/>
               <a:t> </a:t>
             </a:r>
             <a:r>
-              <a:rPr lang="en-GB" sz="2400" dirty="0" err="1"/>
-              <a:t>negatiivisesti</a:t>
-            </a:r>
-            <a:r>
-              <a:rPr lang="en-GB" sz="2400" dirty="0"/>
+              <a:rPr lang="en-GB" sz="2500" dirty="0" err="1"/>
+              <a:t>sijaan</a:t>
+            </a:r>
+            <a:r>
+              <a:rPr lang="en-GB" sz="2500" dirty="0"/>
               <a:t> </a:t>
             </a:r>
             <a:r>
-              <a:rPr lang="en-GB" sz="2400" dirty="0" err="1"/>
-              <a:t>sikaribudjettiin</a:t>
-            </a:r>
-            <a:r>
-              <a:rPr lang="en-GB" sz="2400" dirty="0"/>
-              <a:t>). </a:t>
-            </a:r>
-            <a:r>
-              <a:rPr lang="en-GB" sz="2400" dirty="0" err="1"/>
-              <a:t>Tulisi</a:t>
-            </a:r>
-            <a:r>
-              <a:rPr lang="en-GB" sz="2400" dirty="0"/>
+              <a:rPr lang="en-GB" sz="2500" dirty="0" err="1"/>
+              <a:t>muuta</a:t>
+            </a:r>
+            <a:r>
+              <a:rPr lang="en-GB" sz="2500" dirty="0"/>
               <a:t> </a:t>
             </a:r>
             <a:r>
-              <a:rPr lang="en-GB" sz="2400" dirty="0" err="1"/>
-              <a:t>hyvin</a:t>
-            </a:r>
-            <a:r>
-              <a:rPr lang="en-GB" sz="2400" dirty="0"/>
-              <a:t> </a:t>
-            </a:r>
-            <a:r>
-              <a:rPr lang="en-GB" sz="2400" dirty="0" err="1"/>
-              <a:t>kalliiksi</a:t>
-            </a:r>
-            <a:r>
-              <a:rPr lang="en-GB" sz="2400" dirty="0"/>
+              <a:rPr lang="en-GB" sz="2500" dirty="0" err="1"/>
+              <a:t>motivaatiota</a:t>
+            </a:r>
+            <a:r>
+              <a:rPr lang="en-GB" sz="2500" dirty="0"/>
               <a:t>.</a:t>
             </a:r>
           </a:p>
           <a:p>
             <a:r>
-              <a:rPr lang="en-GB" sz="2400" dirty="0" err="1"/>
-              <a:t>Työntekijöille</a:t>
-            </a:r>
-            <a:r>
-              <a:rPr lang="en-GB" sz="2400" dirty="0"/>
+              <a:rPr lang="en-GB" sz="2500" dirty="0" err="1"/>
+              <a:t>Työntekijöiden</a:t>
+            </a:r>
+            <a:r>
+              <a:rPr lang="en-GB" sz="2500" dirty="0"/>
               <a:t> </a:t>
             </a:r>
             <a:r>
-              <a:rPr lang="en-GB" sz="2400" dirty="0" err="1"/>
+              <a:rPr lang="en-GB" sz="2500" dirty="0" err="1"/>
+              <a:t>perheille</a:t>
+            </a:r>
+            <a:r>
+              <a:rPr lang="en-GB" sz="2500" dirty="0"/>
+              <a:t> </a:t>
+            </a:r>
+            <a:r>
+              <a:rPr lang="en-GB" sz="2500" dirty="0" err="1"/>
               <a:t>tarvitaan</a:t>
             </a:r>
             <a:r>
-              <a:rPr lang="en-GB" sz="2400" dirty="0"/>
+              <a:rPr lang="en-GB" sz="2500" dirty="0"/>
               <a:t> </a:t>
             </a:r>
             <a:r>
-              <a:rPr lang="en-GB" sz="2400" dirty="0" err="1"/>
-              <a:t>siis</a:t>
-            </a:r>
-            <a:r>
-              <a:rPr lang="en-GB" sz="2400" dirty="0"/>
-              <a:t> </a:t>
-            </a:r>
-            <a:r>
-              <a:rPr lang="en-GB" sz="2400" dirty="0" err="1"/>
-              <a:t>palkan</a:t>
-            </a:r>
-            <a:r>
-              <a:rPr lang="en-GB" sz="2400" dirty="0"/>
-              <a:t> </a:t>
-            </a:r>
-            <a:r>
-              <a:rPr lang="en-GB" sz="2400" dirty="0" err="1"/>
-              <a:t>sijaan</a:t>
-            </a:r>
-            <a:r>
-              <a:rPr lang="en-GB" sz="2400" dirty="0"/>
-              <a:t> </a:t>
-            </a:r>
-            <a:r>
-              <a:rPr lang="en-GB" sz="2400" dirty="0" err="1"/>
-              <a:t>muuta</a:t>
-            </a:r>
-            <a:r>
-              <a:rPr lang="en-GB" sz="2400" dirty="0"/>
-              <a:t> </a:t>
-            </a:r>
-            <a:r>
-              <a:rPr lang="en-GB" sz="2400" dirty="0" err="1"/>
-              <a:t>motivaatiota</a:t>
-            </a:r>
-            <a:r>
-              <a:rPr lang="en-GB" sz="2400" dirty="0"/>
-              <a:t>.</a:t>
+              <a:rPr lang="en-GB" sz="2500" dirty="0" err="1"/>
+              <a:t>varastotilaa</a:t>
+            </a:r>
+            <a:r>
+              <a:rPr lang="en-GB" sz="2500" dirty="0"/>
+              <a:t>: 5 </a:t>
+            </a:r>
+            <a:r>
+              <a:rPr lang="en-GB" sz="2500" dirty="0" err="1"/>
+              <a:t>perhejäsentä</a:t>
+            </a:r>
+            <a:r>
+              <a:rPr lang="en-GB" sz="2500" dirty="0"/>
+              <a:t>/</a:t>
+            </a:r>
+            <a:r>
+              <a:rPr lang="en-GB" sz="2500" dirty="0" err="1"/>
+              <a:t>työntekijä</a:t>
+            </a:r>
+            <a:r>
+              <a:rPr lang="en-GB" sz="2500" dirty="0"/>
+              <a:t>=20m^2=</a:t>
+            </a:r>
+            <a:r>
+              <a:rPr lang="en-GB" sz="2500" dirty="0" err="1"/>
+              <a:t>noin</a:t>
+            </a:r>
+            <a:r>
+              <a:rPr lang="en-GB" sz="2500" dirty="0"/>
+              <a:t> 300€/kk.</a:t>
             </a:r>
           </a:p>
           <a:p>
             <a:r>
-              <a:rPr lang="en-GB" sz="2400" dirty="0" err="1"/>
-              <a:t>Työntekijöiden</a:t>
-            </a:r>
-            <a:r>
-              <a:rPr lang="en-GB" sz="2400" dirty="0"/>
+              <a:rPr lang="en-GB" sz="2500" dirty="0" err="1"/>
+              <a:t>Varastofirman</a:t>
+            </a:r>
+            <a:r>
+              <a:rPr lang="en-GB" sz="2500" dirty="0"/>
               <a:t> </a:t>
             </a:r>
             <a:r>
-              <a:rPr lang="en-GB" sz="2400" dirty="0" err="1"/>
-              <a:t>perheille</a:t>
-            </a:r>
-            <a:r>
-              <a:rPr lang="en-GB" sz="2400" dirty="0"/>
-              <a:t> </a:t>
-            </a:r>
-            <a:r>
-              <a:rPr lang="en-GB" sz="2400" dirty="0" err="1"/>
-              <a:t>tarvitaan</a:t>
-            </a:r>
-            <a:r>
-              <a:rPr lang="en-GB" sz="2400" dirty="0"/>
-              <a:t> </a:t>
-            </a:r>
-            <a:r>
-              <a:rPr lang="en-GB" sz="2400" dirty="0" err="1"/>
-              <a:t>varastotilaa</a:t>
-            </a:r>
-            <a:r>
-              <a:rPr lang="en-GB" sz="2400" dirty="0"/>
-              <a:t>: 5 </a:t>
-            </a:r>
-            <a:r>
-              <a:rPr lang="en-GB" sz="2400" dirty="0" err="1"/>
-              <a:t>perhejäsentä</a:t>
-            </a:r>
-            <a:r>
-              <a:rPr lang="en-GB" sz="2400" dirty="0"/>
-              <a:t>/</a:t>
-            </a:r>
-            <a:r>
-              <a:rPr lang="en-GB" sz="2400" dirty="0" err="1"/>
-              <a:t>työntekijä</a:t>
-            </a:r>
-            <a:r>
-              <a:rPr lang="en-GB" sz="2400" dirty="0"/>
-              <a:t>=15m^2=</a:t>
-            </a:r>
-            <a:r>
-              <a:rPr lang="en-GB" sz="2400" dirty="0" err="1"/>
-              <a:t>noin</a:t>
-            </a:r>
-            <a:r>
-              <a:rPr lang="en-GB" sz="2400" dirty="0"/>
+              <a:rPr lang="en-GB" sz="2500" dirty="0" err="1"/>
+              <a:t>lahjonta</a:t>
+            </a:r>
+            <a:r>
+              <a:rPr lang="en-GB" sz="2500" dirty="0"/>
+              <a:t>: </a:t>
+            </a:r>
+            <a:r>
+              <a:rPr lang="en-GB" sz="2500" dirty="0" err="1"/>
+              <a:t>Noin</a:t>
+            </a:r>
+            <a:r>
+              <a:rPr lang="en-GB" sz="2500" dirty="0"/>
               <a:t> 200€/kk.</a:t>
             </a:r>
           </a:p>
           <a:p>
             <a:r>
-              <a:rPr lang="en-GB" sz="2400" dirty="0" err="1"/>
-              <a:t>Varastofirman</a:t>
-            </a:r>
-            <a:r>
-              <a:rPr lang="en-GB" sz="2400" dirty="0"/>
+              <a:rPr lang="en-GB" sz="2500" dirty="0" err="1"/>
+              <a:t>Tehdään</a:t>
+            </a:r>
+            <a:r>
+              <a:rPr lang="en-GB" sz="2500" dirty="0"/>
               <a:t> </a:t>
             </a:r>
             <a:r>
-              <a:rPr lang="en-GB" sz="2400" dirty="0" err="1"/>
-              <a:t>lahjonta</a:t>
-            </a:r>
-            <a:r>
-              <a:rPr lang="en-GB" sz="2400" dirty="0"/>
-              <a:t>: </a:t>
-            </a:r>
-            <a:r>
-              <a:rPr lang="en-GB" sz="2400" dirty="0" err="1"/>
-              <a:t>Noin</a:t>
-            </a:r>
-            <a:r>
-              <a:rPr lang="en-GB" sz="2400" dirty="0"/>
-              <a:t> 300€/kk.</a:t>
+              <a:rPr lang="en-GB" sz="2500" dirty="0" err="1"/>
+              <a:t>etätöitä</a:t>
+            </a:r>
+            <a:r>
+              <a:rPr lang="en-GB" sz="2500" dirty="0"/>
+              <a:t> </a:t>
+            </a:r>
+            <a:r>
+              <a:rPr lang="en-GB" sz="2500" dirty="0" err="1"/>
+              <a:t>omilla</a:t>
+            </a:r>
+            <a:r>
+              <a:rPr lang="en-GB" sz="2500" dirty="0"/>
+              <a:t> </a:t>
+            </a:r>
+            <a:r>
+              <a:rPr lang="en-GB" sz="2500" dirty="0" err="1"/>
+              <a:t>koneilla</a:t>
+            </a:r>
+            <a:r>
+              <a:rPr lang="en-GB" sz="2500" dirty="0"/>
+              <a:t>, </a:t>
+            </a:r>
+            <a:r>
+              <a:rPr lang="en-GB" sz="2500" dirty="0" err="1"/>
+              <a:t>eli</a:t>
+            </a:r>
+            <a:r>
+              <a:rPr lang="en-GB" sz="2500" dirty="0"/>
+              <a:t> </a:t>
+            </a:r>
+            <a:r>
+              <a:rPr lang="en-GB" sz="2500" dirty="0" err="1"/>
+              <a:t>ei</a:t>
+            </a:r>
+            <a:r>
+              <a:rPr lang="en-GB" sz="2500" dirty="0"/>
+              <a:t> </a:t>
+            </a:r>
+            <a:r>
+              <a:rPr lang="en-GB" sz="2500" dirty="0" err="1"/>
+              <a:t>tarvitse</a:t>
+            </a:r>
+            <a:r>
+              <a:rPr lang="en-GB" sz="2500" dirty="0"/>
+              <a:t> </a:t>
+            </a:r>
+            <a:r>
+              <a:rPr lang="en-GB" sz="2500" dirty="0" err="1"/>
+              <a:t>toimistoa</a:t>
+            </a:r>
+            <a:r>
+              <a:rPr lang="en-GB" sz="2500" dirty="0"/>
+              <a:t> tai </a:t>
+            </a:r>
+            <a:r>
+              <a:rPr lang="en-GB" sz="2500" dirty="0" err="1"/>
+              <a:t>koneita</a:t>
+            </a:r>
+            <a:r>
+              <a:rPr lang="en-GB" sz="2500" dirty="0"/>
+              <a:t>.</a:t>
             </a:r>
           </a:p>
           <a:p>
             <a:r>
-              <a:rPr lang="en-GB" sz="2400" dirty="0" err="1"/>
-              <a:t>Tehdään</a:t>
-            </a:r>
-            <a:r>
-              <a:rPr lang="en-GB" sz="2400" dirty="0"/>
+              <a:rPr lang="en-GB" sz="2500" dirty="0" err="1"/>
+              <a:t>Peli</a:t>
+            </a:r>
+            <a:r>
+              <a:rPr lang="en-GB" sz="2500" dirty="0"/>
               <a:t> </a:t>
             </a:r>
             <a:r>
-              <a:rPr lang="en-GB" sz="2400" dirty="0" err="1"/>
-              <a:t>etätöitä</a:t>
-            </a:r>
-            <a:r>
-              <a:rPr lang="en-GB" sz="2400" dirty="0"/>
+              <a:rPr lang="en-GB" sz="2500" dirty="0" err="1"/>
+              <a:t>julkaistaan</a:t>
+            </a:r>
+            <a:r>
+              <a:rPr lang="en-GB" sz="2500" dirty="0"/>
               <a:t> </a:t>
             </a:r>
             <a:r>
-              <a:rPr lang="en-GB" sz="2400" dirty="0" err="1"/>
-              <a:t>omilla</a:t>
-            </a:r>
-            <a:r>
-              <a:rPr lang="en-GB" sz="2400" dirty="0"/>
+              <a:rPr lang="en-GB" sz="2500" dirty="0" err="1"/>
+              <a:t>Steamissa</a:t>
+            </a:r>
+            <a:r>
+              <a:rPr lang="en-GB" sz="2500" dirty="0"/>
+              <a:t>, </a:t>
+            </a:r>
+            <a:r>
+              <a:rPr lang="en-GB" sz="2500" dirty="0" err="1"/>
+              <a:t>ja</a:t>
+            </a:r>
+            <a:r>
+              <a:rPr lang="en-GB" sz="2500" dirty="0"/>
               <a:t> </a:t>
             </a:r>
             <a:r>
-              <a:rPr lang="en-GB" sz="2400" dirty="0" err="1"/>
-              <a:t>koneilla</a:t>
-            </a:r>
-            <a:r>
-              <a:rPr lang="en-GB" sz="2400" dirty="0"/>
+              <a:rPr lang="en-GB" sz="2500" dirty="0" err="1"/>
+              <a:t>siinä</a:t>
+            </a:r>
+            <a:r>
+              <a:rPr lang="en-GB" sz="2500" dirty="0"/>
+              <a:t> </a:t>
+            </a:r>
+            <a:r>
+              <a:rPr lang="en-GB" sz="2500" dirty="0" err="1"/>
+              <a:t>ei</a:t>
+            </a:r>
+            <a:r>
+              <a:rPr lang="en-GB" sz="2500" dirty="0"/>
+              <a:t> ole </a:t>
+            </a:r>
+            <a:r>
+              <a:rPr lang="en-GB" sz="2500" dirty="0" err="1"/>
+              <a:t>nettipelausta</a:t>
+            </a:r>
+            <a:r>
+              <a:rPr lang="en-GB" sz="2500" dirty="0"/>
               <a:t>, </a:t>
             </a:r>
             <a:r>
-              <a:rPr lang="en-GB" sz="2400" dirty="0" err="1"/>
-              <a:t>eli</a:t>
-            </a:r>
-            <a:r>
-              <a:rPr lang="en-GB" sz="2400" dirty="0"/>
+              <a:rPr lang="en-GB" sz="2500" dirty="0" err="1"/>
+              <a:t>joten</a:t>
+            </a:r>
+            <a:r>
+              <a:rPr lang="en-GB" sz="2500" dirty="0"/>
               <a:t> </a:t>
             </a:r>
             <a:r>
-              <a:rPr lang="en-GB" sz="2400" dirty="0" err="1"/>
+              <a:rPr lang="en-GB" sz="2500" dirty="0" err="1"/>
               <a:t>ei</a:t>
             </a:r>
             <a:r>
-              <a:rPr lang="en-GB" sz="2400" dirty="0"/>
+              <a:rPr lang="en-GB" sz="2500" dirty="0"/>
               <a:t> </a:t>
             </a:r>
             <a:r>
-              <a:rPr lang="en-GB" sz="2400" dirty="0" err="1"/>
-              <a:t>tarvitse</a:t>
-            </a:r>
-            <a:r>
-              <a:rPr lang="en-GB" sz="2400" dirty="0"/>
+              <a:rPr lang="en-GB" sz="2500" dirty="0" err="1"/>
+              <a:t>tarvita</a:t>
+            </a:r>
+            <a:r>
+              <a:rPr lang="en-GB" sz="2500" dirty="0"/>
               <a:t> </a:t>
             </a:r>
             <a:r>
-              <a:rPr lang="en-GB" sz="2400" dirty="0" err="1"/>
-              <a:t>toimistoa</a:t>
-            </a:r>
-            <a:r>
-              <a:rPr lang="en-GB" sz="2400" dirty="0"/>
-              <a:t> tai </a:t>
-            </a:r>
-            <a:r>
-              <a:rPr lang="en-GB" sz="2400" dirty="0" err="1"/>
-              <a:t>koneita</a:t>
-            </a:r>
-            <a:r>
-              <a:rPr lang="en-GB" sz="2400" dirty="0"/>
-              <a:t>.</a:t>
-            </a:r>
-          </a:p>
-          <a:p>
-            <a:r>
-              <a:rPr lang="en-GB" sz="2400" dirty="0" err="1"/>
-              <a:t>Peli</a:t>
-            </a:r>
-            <a:r>
-              <a:rPr lang="en-GB" sz="2400" dirty="0"/>
+              <a:rPr lang="en-GB" sz="2500" dirty="0" err="1"/>
+              <a:t>palvelimia</a:t>
+            </a:r>
+            <a:r>
+              <a:rPr lang="en-GB" sz="2500" dirty="0"/>
+              <a:t>. </a:t>
+            </a:r>
+            <a:r>
+              <a:rPr lang="en-GB" sz="2500" dirty="0" err="1"/>
+              <a:t>Steamiin</a:t>
+            </a:r>
+            <a:r>
+              <a:rPr lang="en-GB" sz="2500" dirty="0"/>
               <a:t> </a:t>
             </a:r>
             <a:r>
-              <a:rPr lang="en-GB" sz="2400" dirty="0" err="1"/>
-              <a:t>julkaistaan</a:t>
-            </a:r>
-            <a:r>
-              <a:rPr lang="en-GB" sz="2400" dirty="0"/>
-              <a:t> </a:t>
-            </a:r>
-            <a:r>
-              <a:rPr lang="en-GB" sz="2400" dirty="0" err="1"/>
-              <a:t>Steamissa</a:t>
-            </a:r>
-            <a:r>
-              <a:rPr lang="en-GB" sz="2400" dirty="0"/>
-              <a:t>, </a:t>
-            </a:r>
-            <a:r>
-              <a:rPr lang="en-GB" sz="2400" dirty="0" err="1"/>
-              <a:t>ja</a:t>
-            </a:r>
-            <a:r>
-              <a:rPr lang="en-GB" sz="2400" dirty="0"/>
-              <a:t> </a:t>
-            </a:r>
-            <a:r>
-              <a:rPr lang="en-GB" sz="2400" dirty="0" err="1"/>
-              <a:t>siinä</a:t>
-            </a:r>
-            <a:r>
-              <a:rPr lang="en-GB" sz="2400" dirty="0"/>
-              <a:t> </a:t>
-            </a:r>
-            <a:r>
-              <a:rPr lang="en-GB" sz="2400" dirty="0" err="1"/>
-              <a:t>ei</a:t>
-            </a:r>
-            <a:r>
-              <a:rPr lang="en-GB" sz="2400" dirty="0"/>
-              <a:t> ole </a:t>
-            </a:r>
-            <a:r>
-              <a:rPr lang="en-GB" sz="2400" dirty="0" err="1"/>
-              <a:t>nettipelausta</a:t>
-            </a:r>
-            <a:r>
-              <a:rPr lang="en-GB" sz="2400" dirty="0"/>
-              <a:t>, </a:t>
-            </a:r>
-            <a:r>
-              <a:rPr lang="en-GB" sz="2400" dirty="0" err="1"/>
-              <a:t>joten</a:t>
-            </a:r>
-            <a:r>
-              <a:rPr lang="en-GB" sz="2400" dirty="0"/>
-              <a:t> </a:t>
-            </a:r>
-            <a:r>
-              <a:rPr lang="en-GB" sz="2400" dirty="0" err="1"/>
-              <a:t>ei</a:t>
-            </a:r>
-            <a:r>
-              <a:rPr lang="en-GB" sz="2400" dirty="0"/>
-              <a:t> </a:t>
-            </a:r>
-            <a:r>
-              <a:rPr lang="en-GB" sz="2400" dirty="0" err="1"/>
-              <a:t>tarvita</a:t>
-            </a:r>
-            <a:r>
-              <a:rPr lang="en-GB" sz="2400" dirty="0"/>
-              <a:t> </a:t>
-            </a:r>
-            <a:r>
-              <a:rPr lang="en-GB" sz="2400" dirty="0" err="1"/>
-              <a:t>palvelimia</a:t>
-            </a:r>
-            <a:r>
-              <a:rPr lang="en-GB" sz="2400" dirty="0"/>
-              <a:t>. </a:t>
-            </a:r>
-            <a:r>
-              <a:rPr lang="en-GB" sz="2400" dirty="0" err="1"/>
-              <a:t>Steamiin</a:t>
-            </a:r>
-            <a:r>
-              <a:rPr lang="en-GB" sz="2400" dirty="0"/>
-              <a:t> </a:t>
-            </a:r>
-            <a:r>
-              <a:rPr lang="en-GB" sz="2400" dirty="0" err="1"/>
+              <a:rPr lang="en-GB" sz="2500" dirty="0" err="1"/>
               <a:t>julkaiseminen</a:t>
             </a:r>
             <a:r>
-              <a:rPr lang="en-GB" sz="2400" dirty="0"/>
+              <a:rPr lang="en-GB" sz="2500" dirty="0"/>
               <a:t> maksaa 100€.</a:t>
             </a:r>
           </a:p>
@@ -16552,13 +16739,13 @@
           <a:p>
             <a:r>
               <a:rPr lang="fi-FI" dirty="0"/>
-              <a:t>Varastotilan vuokra: 200€/kk</a:t>
+              <a:t>Varastotilan vuokra: 300€/kk</a:t>
             </a:r>
           </a:p>
           <a:p>
             <a:r>
               <a:rPr lang="fi-FI" dirty="0"/>
-              <a:t>Varastofirman lahjonta: 300€/kk</a:t>
+              <a:t>Varastofirman lahjonta: 200€/kk</a:t>
             </a:r>
           </a:p>
           <a:p>
@@ -18325,10 +18512,10 @@
           <a:lstStyle/>
           <a:p>
             <a:r>
-              <a:rPr lang="en-GB" sz="2800" dirty="0" err="1"/>
+              <a:rPr lang="en-GB" sz="4000" dirty="0" err="1"/>
               <a:t>Vahvuudet</a:t>
             </a:r>
-            <a:endParaRPr lang="fi-FI" sz="2800" dirty="0"/>
+            <a:endParaRPr lang="fi-FI" sz="4000" dirty="0"/>
           </a:p>
         </p:txBody>
       </p:sp>
@@ -18524,40 +18711,60 @@
           <a:lstStyle/>
           <a:p>
             <a:r>
-              <a:rPr lang="en-GB" sz="1700"/>
+              <a:rPr lang="en-GB" dirty="0"/>
               <a:t>Mindset</a:t>
             </a:r>
           </a:p>
           <a:p>
             <a:r>
-              <a:rPr lang="en-GB" sz="1700"/>
+              <a:rPr lang="en-GB" dirty="0" err="1"/>
               <a:t>Voimakkuus</a:t>
             </a:r>
+            <a:endParaRPr lang="en-GB" dirty="0"/>
           </a:p>
           <a:p>
             <a:r>
-              <a:rPr lang="en-GB" sz="1700"/>
+              <a:rPr lang="en-GB" dirty="0" err="1"/>
               <a:t>Tiimityö</a:t>
             </a:r>
+            <a:endParaRPr lang="en-GB" dirty="0"/>
           </a:p>
           <a:p>
             <a:r>
-              <a:rPr lang="en-GB" sz="1700"/>
-              <a:t>Hyvät yhteydet</a:t>
-            </a:r>
+              <a:rPr lang="en-GB" dirty="0" err="1"/>
+              <a:t>Hyvät</a:t>
+            </a:r>
+            <a:r>
+              <a:rPr lang="en-GB" dirty="0"/>
+              <a:t> </a:t>
+            </a:r>
+            <a:r>
+              <a:rPr lang="en-GB" dirty="0" err="1"/>
+              <a:t>yhteydet</a:t>
+            </a:r>
+            <a:endParaRPr lang="en-GB" dirty="0"/>
           </a:p>
           <a:p>
             <a:r>
-              <a:rPr lang="en-GB" sz="1700"/>
+              <a:rPr lang="en-GB" dirty="0" err="1"/>
               <a:t>Mielikuvitus</a:t>
             </a:r>
+            <a:endParaRPr lang="en-GB" dirty="0"/>
           </a:p>
           <a:p>
             <a:r>
-              <a:rPr lang="en-GB" sz="1700"/>
-              <a:t>Hyvä kielitaito</a:t>
-            </a:r>
-            <a:endParaRPr lang="fi-FI" sz="1700"/>
+              <a:rPr lang="en-GB" dirty="0" err="1"/>
+              <a:t>Hyvä</a:t>
+            </a:r>
+            <a:r>
+              <a:rPr lang="en-GB" dirty="0"/>
+              <a:t> </a:t>
+            </a:r>
+            <a:r>
+              <a:rPr lang="en-GB" dirty="0" err="1"/>
+              <a:t>kielitaito</a:t>
+            </a:r>
+            <a:endParaRPr lang="fi-FI" sz="1700" dirty="0"/>
           </a:p>
         </p:txBody>
       </p:sp>
@@ -18803,10 +19010,10 @@
           <a:lstStyle/>
           <a:p>
             <a:r>
-              <a:rPr lang="en-GB" sz="4000"/>
+              <a:rPr lang="en-GB" sz="4000" dirty="0" err="1"/>
               <a:t>Heikkoudet</a:t>
             </a:r>
-            <a:endParaRPr lang="fi-FI" sz="4000"/>
+            <a:endParaRPr lang="fi-FI" sz="4000" dirty="0"/>
           </a:p>
         </p:txBody>
       </p:sp>
@@ -18839,40 +19046,40 @@
           <a:lstStyle/>
           <a:p>
             <a:r>
-              <a:rPr lang="en-GB" sz="2000" dirty="0" err="1"/>
+              <a:rPr lang="en-GB" dirty="0" err="1"/>
               <a:t>Valehtelu</a:t>
             </a:r>
-            <a:endParaRPr lang="en-GB" sz="2000" dirty="0"/>
+            <a:endParaRPr lang="en-GB" dirty="0"/>
           </a:p>
           <a:p>
             <a:r>
-              <a:rPr lang="en-GB" sz="2000" dirty="0" err="1"/>
+              <a:rPr lang="en-GB" dirty="0" err="1"/>
               <a:t>Tyhjät</a:t>
             </a:r>
             <a:r>
-              <a:rPr lang="en-GB" sz="2000" dirty="0"/>
+              <a:rPr lang="en-GB" dirty="0"/>
               <a:t> </a:t>
             </a:r>
             <a:r>
-              <a:rPr lang="en-GB" sz="2000" dirty="0" err="1"/>
+              <a:rPr lang="en-GB" dirty="0" err="1"/>
               <a:t>lupaukset</a:t>
             </a:r>
-            <a:endParaRPr lang="en-GB" sz="2000" dirty="0"/>
+            <a:endParaRPr lang="en-GB" dirty="0"/>
           </a:p>
           <a:p>
             <a:r>
-              <a:rPr lang="en-GB" sz="2000" dirty="0" err="1"/>
+              <a:rPr lang="en-GB" dirty="0" err="1"/>
               <a:t>Pieni</a:t>
             </a:r>
             <a:r>
-              <a:rPr lang="en-GB" sz="2000" dirty="0"/>
+              <a:rPr lang="en-GB" dirty="0"/>
               <a:t> </a:t>
             </a:r>
             <a:r>
-              <a:rPr lang="en-GB" sz="2000" dirty="0" err="1"/>
+              <a:rPr lang="en-GB" dirty="0" err="1"/>
               <a:t>budjetti</a:t>
             </a:r>
-            <a:endParaRPr lang="fi-FI" sz="2000" dirty="0"/>
+            <a:endParaRPr lang="fi-FI" dirty="0"/>
           </a:p>
         </p:txBody>
       </p:sp>
@@ -19118,10 +19325,10 @@
           <a:lstStyle/>
           <a:p>
             <a:r>
-              <a:rPr lang="en-GB" sz="4000"/>
+              <a:rPr lang="en-GB" sz="4000" dirty="0" err="1"/>
               <a:t>Mahdollisuudet</a:t>
             </a:r>
-            <a:endParaRPr lang="fi-FI" sz="4000"/>
+            <a:endParaRPr lang="fi-FI" sz="4000" dirty="0"/>
           </a:p>
         </p:txBody>
       </p:sp>
@@ -19154,27 +19361,27 @@
           <a:lstStyle/>
           <a:p>
             <a:r>
-              <a:rPr lang="en-GB" sz="2000" dirty="0" err="1"/>
+              <a:rPr lang="en-GB" dirty="0" err="1"/>
               <a:t>Voitto</a:t>
             </a:r>
-            <a:endParaRPr lang="en-GB" sz="2000" dirty="0"/>
+            <a:endParaRPr lang="en-GB" dirty="0"/>
           </a:p>
           <a:p>
             <a:r>
-              <a:rPr lang="en-GB" sz="2000" dirty="0"/>
+              <a:rPr lang="en-GB" dirty="0"/>
               <a:t>Raha</a:t>
             </a:r>
           </a:p>
           <a:p>
             <a:r>
-              <a:rPr lang="en-GB" sz="2000" dirty="0" err="1"/>
+              <a:rPr lang="en-GB" dirty="0" err="1"/>
               <a:t>Chatgpt</a:t>
             </a:r>
-            <a:endParaRPr lang="en-GB" sz="2000" dirty="0"/>
+            <a:endParaRPr lang="en-GB" dirty="0"/>
           </a:p>
           <a:p>
             <a:r>
-              <a:rPr lang="en-GB" sz="2000" dirty="0"/>
+              <a:rPr lang="en-GB" dirty="0"/>
               <a:t>Bing ai</a:t>
             </a:r>
             <a:endParaRPr lang="fi-FI" sz="2000" dirty="0"/>
@@ -19520,7 +19727,7 @@
           <a:lstStyle/>
           <a:p>
             <a:r>
-              <a:rPr lang="en-GB" sz="2000" dirty="0" err="1">
+              <a:rPr lang="en-GB" dirty="0" err="1">
                 <a:solidFill>
                   <a:srgbClr val="FFFFFF"/>
                 </a:solidFill>
@@ -19528,7 +19735,7 @@
               <a:t>Kaikki</a:t>
             </a:r>
             <a:r>
-              <a:rPr lang="en-GB" sz="2000" dirty="0">
+              <a:rPr lang="en-GB" dirty="0">
                 <a:solidFill>
                   <a:srgbClr val="FFFFFF"/>
                 </a:solidFill>
@@ -19536,7 +19743,7 @@
               <a:t> </a:t>
             </a:r>
             <a:r>
-              <a:rPr lang="en-GB" sz="2000" dirty="0" err="1">
+              <a:rPr lang="en-GB" dirty="0" err="1">
                 <a:solidFill>
                   <a:srgbClr val="FFFFFF"/>
                 </a:solidFill>
@@ -19544,7 +19751,7 @@
               <a:t>muut</a:t>
             </a:r>
             <a:r>
-              <a:rPr lang="en-GB" sz="2000" dirty="0">
+              <a:rPr lang="en-GB" dirty="0">
                 <a:solidFill>
                   <a:srgbClr val="FFFFFF"/>
                 </a:solidFill>
@@ -19552,7 +19759,7 @@
               <a:t> </a:t>
             </a:r>
             <a:r>
-              <a:rPr lang="en-GB" sz="2000" dirty="0" err="1">
+              <a:rPr lang="en-GB" dirty="0" err="1">
                 <a:solidFill>
                   <a:srgbClr val="FFFFFF"/>
                 </a:solidFill>
@@ -19560,7 +19767,7 @@
               <a:t>ryhmät</a:t>
             </a:r>
             <a:r>
-              <a:rPr lang="en-GB" sz="2000" dirty="0">
+              <a:rPr lang="en-GB" dirty="0">
                 <a:solidFill>
                   <a:srgbClr val="FFFFFF"/>
                 </a:solidFill>
@@ -19570,14 +19777,14 @@
           </a:p>
           <a:p>
             <a:r>
-              <a:rPr lang="en-GB" sz="2000" dirty="0" err="1">
+              <a:rPr lang="en-GB" dirty="0" err="1">
                 <a:solidFill>
                   <a:srgbClr val="FFFFFF"/>
                 </a:solidFill>
               </a:rPr>
               <a:t>Serkkupoika</a:t>
             </a:r>
-            <a:endParaRPr lang="fi-FI" sz="2000" dirty="0">
+            <a:endParaRPr lang="fi-FI" dirty="0">
               <a:solidFill>
                 <a:srgbClr val="FFFFFF"/>
               </a:solidFill>
@@ -21255,7 +21462,7 @@
             <p:ph idx="1"/>
             <p:extLst>
               <p:ext uri="{D42A27DB-BD31-4B8C-83A1-F6EECF244321}">
-                <p14:modId xmlns:p14="http://schemas.microsoft.com/office/powerpoint/2010/main" val="672304151"/>
+                <p14:modId xmlns:p14="http://schemas.microsoft.com/office/powerpoint/2010/main" val="1615285085"/>
               </p:ext>
             </p:extLst>
           </p:nvPr>
